--- a/slides/08-correl-and-regression.pptx
+++ b/slides/08-correl-and-regression.pptx
@@ -5,10 +5,10 @@
     <p:sldMasterId id="2147483648" r:id="rId1"/>
   </p:sldMasterIdLst>
   <p:notesMasterIdLst>
-    <p:notesMasterId r:id="rId44"/>
+    <p:notesMasterId r:id="rId45"/>
   </p:notesMasterIdLst>
   <p:handoutMasterIdLst>
-    <p:handoutMasterId r:id="rId45"/>
+    <p:handoutMasterId r:id="rId46"/>
   </p:handoutMasterIdLst>
   <p:sldIdLst>
     <p:sldId id="256" r:id="rId2"/>
@@ -41,40 +41,41 @@
     <p:sldId id="529" r:id="rId29"/>
     <p:sldId id="562" r:id="rId30"/>
     <p:sldId id="532" r:id="rId31"/>
-    <p:sldId id="531" r:id="rId32"/>
-    <p:sldId id="530" r:id="rId33"/>
-    <p:sldId id="533" r:id="rId34"/>
-    <p:sldId id="555" r:id="rId35"/>
-    <p:sldId id="487" r:id="rId36"/>
-    <p:sldId id="545" r:id="rId37"/>
-    <p:sldId id="573" r:id="rId38"/>
-    <p:sldId id="536" r:id="rId39"/>
-    <p:sldId id="556" r:id="rId40"/>
-    <p:sldId id="477" r:id="rId41"/>
-    <p:sldId id="538" r:id="rId42"/>
-    <p:sldId id="574" r:id="rId43"/>
+    <p:sldId id="530" r:id="rId32"/>
+    <p:sldId id="533" r:id="rId33"/>
+    <p:sldId id="555" r:id="rId34"/>
+    <p:sldId id="487" r:id="rId35"/>
+    <p:sldId id="545" r:id="rId36"/>
+    <p:sldId id="573" r:id="rId37"/>
+    <p:sldId id="536" r:id="rId38"/>
+    <p:sldId id="575" r:id="rId39"/>
+    <p:sldId id="576" r:id="rId40"/>
+    <p:sldId id="556" r:id="rId41"/>
+    <p:sldId id="477" r:id="rId42"/>
+    <p:sldId id="538" r:id="rId43"/>
+    <p:sldId id="574" r:id="rId44"/>
   </p:sldIdLst>
   <p:sldSz cx="9144000" cy="6858000" type="screen4x3"/>
   <p:notesSz cx="10233025" cy="7102475"/>
   <p:embeddedFontLst>
     <p:embeddedFont>
       <p:font typeface="Lucida Console" panose="020B0609040504020204" pitchFamily="49" charset="0"/>
-      <p:regular r:id="rId46"/>
+      <p:regular r:id="rId47"/>
     </p:embeddedFont>
     <p:embeddedFont>
       <p:font typeface="Cambria Math" panose="02040503050406030204" pitchFamily="18" charset="0"/>
-      <p:regular r:id="rId47"/>
+      <p:regular r:id="rId48"/>
     </p:embeddedFont>
     <p:embeddedFont>
       <p:font typeface="Calibri" panose="020F0502020204030204" pitchFamily="34" charset="0"/>
-      <p:regular r:id="rId48"/>
-      <p:bold r:id="rId49"/>
-      <p:italic r:id="rId50"/>
-      <p:boldItalic r:id="rId51"/>
+      <p:regular r:id="rId49"/>
+      <p:bold r:id="rId50"/>
+      <p:italic r:id="rId51"/>
+      <p:boldItalic r:id="rId52"/>
     </p:embeddedFont>
   </p:embeddedFontLst>
   <p:custDataLst>
-    <p:tags r:id="rId52"/>
+    <p:tags r:id="rId53"/>
   </p:custDataLst>
   <p:defaultTextStyle>
     <a:defPPr>
@@ -2770,216 +2771,6 @@
           <a:bodyPr/>
           <a:lstStyle/>
           <a:p>
-            <a:r>
-              <a:rPr lang="en-GB" dirty="0" err="1" smtClean="0"/>
-              <a:t>ggplot</a:t>
-            </a:r>
-            <a:r>
-              <a:rPr lang="en-GB" dirty="0" smtClean="0"/>
-              <a:t>(data = shrimp, </a:t>
-            </a:r>
-            <a:r>
-              <a:rPr lang="en-GB" dirty="0" err="1" smtClean="0"/>
-              <a:t>aes</a:t>
-            </a:r>
-            <a:r>
-              <a:rPr lang="en-GB" dirty="0" smtClean="0"/>
-              <a:t>(x = temperature, y = respiration)) +</a:t>
-            </a:r>
-          </a:p>
-          <a:p>
-            <a:r>
-              <a:rPr lang="en-GB" dirty="0" smtClean="0"/>
-              <a:t>  </a:t>
-            </a:r>
-            <a:r>
-              <a:rPr lang="en-GB" dirty="0" err="1" smtClean="0"/>
-              <a:t>geom_point</a:t>
-            </a:r>
-            <a:r>
-              <a:rPr lang="en-GB" dirty="0" smtClean="0"/>
-              <a:t>() +</a:t>
-            </a:r>
-          </a:p>
-          <a:p>
-            <a:r>
-              <a:rPr lang="en-GB" dirty="0" smtClean="0"/>
-              <a:t>  </a:t>
-            </a:r>
-            <a:r>
-              <a:rPr lang="en-GB" dirty="0" err="1" smtClean="0"/>
-              <a:t>geom_smooth</a:t>
-            </a:r>
-            <a:r>
-              <a:rPr lang="en-GB" dirty="0" smtClean="0"/>
-              <a:t>(method = "lm", se = FALSE) +</a:t>
-            </a:r>
-          </a:p>
-          <a:p>
-            <a:r>
-              <a:rPr lang="en-GB" dirty="0" smtClean="0"/>
-              <a:t>  </a:t>
-            </a:r>
-            <a:r>
-              <a:rPr lang="en-GB" dirty="0" err="1" smtClean="0"/>
-              <a:t>xlim</a:t>
-            </a:r>
-            <a:r>
-              <a:rPr lang="en-GB" dirty="0" smtClean="0"/>
-              <a:t>(0, 35) +</a:t>
-            </a:r>
-          </a:p>
-          <a:p>
-            <a:r>
-              <a:rPr lang="en-GB" dirty="0" smtClean="0"/>
-              <a:t>  </a:t>
-            </a:r>
-            <a:r>
-              <a:rPr lang="en-GB" dirty="0" err="1" smtClean="0"/>
-              <a:t>ylim</a:t>
-            </a:r>
-            <a:r>
-              <a:rPr lang="en-GB" dirty="0" smtClean="0"/>
-              <a:t>(0, 30) +</a:t>
-            </a:r>
-          </a:p>
-          <a:p>
-            <a:r>
-              <a:rPr lang="en-GB" dirty="0" smtClean="0"/>
-              <a:t>  </a:t>
-            </a:r>
-            <a:r>
-              <a:rPr lang="en-GB" dirty="0" err="1" smtClean="0"/>
-              <a:t>geom_segment</a:t>
-            </a:r>
-            <a:r>
-              <a:rPr lang="en-GB" dirty="0" smtClean="0"/>
-              <a:t>(x = 20, y = 13.852,</a:t>
-            </a:r>
-          </a:p>
-          <a:p>
-            <a:r>
-              <a:rPr lang="en-GB" dirty="0" smtClean="0"/>
-              <a:t>               </a:t>
-            </a:r>
-            <a:r>
-              <a:rPr lang="en-GB" dirty="0" err="1" smtClean="0"/>
-              <a:t>xend</a:t>
-            </a:r>
-            <a:r>
-              <a:rPr lang="en-GB" dirty="0" smtClean="0"/>
-              <a:t> = 20, </a:t>
-            </a:r>
-            <a:r>
-              <a:rPr lang="en-GB" dirty="0" err="1" smtClean="0"/>
-              <a:t>yend</a:t>
-            </a:r>
-            <a:r>
-              <a:rPr lang="en-GB" dirty="0" smtClean="0"/>
-              <a:t> = 10.469200,</a:t>
-            </a:r>
-          </a:p>
-          <a:p>
-            <a:r>
-              <a:rPr lang="en-GB" dirty="0" smtClean="0"/>
-              <a:t>               colour = "red") +</a:t>
-            </a:r>
-          </a:p>
-          <a:p>
-            <a:r>
-              <a:rPr lang="en-GB" dirty="0" smtClean="0"/>
-              <a:t>  </a:t>
-            </a:r>
-            <a:r>
-              <a:rPr lang="en-GB" dirty="0" err="1" smtClean="0"/>
-              <a:t>geom_segment</a:t>
-            </a:r>
-            <a:r>
-              <a:rPr lang="en-GB" dirty="0" smtClean="0"/>
-              <a:t>(x = 10, y = 18,</a:t>
-            </a:r>
-          </a:p>
-          <a:p>
-            <a:r>
-              <a:rPr lang="en-GB" dirty="0" smtClean="0"/>
-              <a:t>               </a:t>
-            </a:r>
-            <a:r>
-              <a:rPr lang="en-GB" dirty="0" err="1" smtClean="0"/>
-              <a:t>xend</a:t>
-            </a:r>
-            <a:r>
-              <a:rPr lang="en-GB" dirty="0" smtClean="0"/>
-              <a:t> = 20, </a:t>
-            </a:r>
-            <a:r>
-              <a:rPr lang="en-GB" dirty="0" err="1" smtClean="0"/>
-              <a:t>yend</a:t>
-            </a:r>
-            <a:r>
-              <a:rPr lang="en-GB" dirty="0" smtClean="0"/>
-              <a:t> = 11.9,</a:t>
-            </a:r>
-          </a:p>
-          <a:p>
-            <a:r>
-              <a:rPr lang="en-GB" dirty="0" smtClean="0"/>
-              <a:t>               arrow = arrow(length = unit(0.1, "inches")),</a:t>
-            </a:r>
-          </a:p>
-          <a:p>
-            <a:r>
-              <a:rPr lang="en-GB" dirty="0" smtClean="0"/>
-              <a:t>               colour = "black") +</a:t>
-            </a:r>
-          </a:p>
-          <a:p>
-            <a:r>
-              <a:rPr lang="en-GB" dirty="0" smtClean="0"/>
-              <a:t>  annotate("text", x = 10, y = 20.5, label = "Residual\</a:t>
-            </a:r>
-            <a:r>
-              <a:rPr lang="en-GB" dirty="0" err="1" smtClean="0"/>
-              <a:t>nobserved</a:t>
-            </a:r>
-            <a:r>
-              <a:rPr lang="en-GB" dirty="0" smtClean="0"/>
-              <a:t> y - predicted y") +</a:t>
-            </a:r>
-          </a:p>
-          <a:p>
-            <a:r>
-              <a:rPr lang="en-GB" dirty="0" smtClean="0"/>
-              <a:t>  annotate("text", x = 8, y = 28, </a:t>
-            </a:r>
-          </a:p>
-          <a:p>
-            <a:r>
-              <a:rPr lang="en-GB" dirty="0" smtClean="0"/>
-              <a:t>           label = expression("y = b"[1]*"x - b"[0]),</a:t>
-            </a:r>
-          </a:p>
-          <a:p>
-            <a:r>
-              <a:rPr lang="en-GB" dirty="0" smtClean="0"/>
-              <a:t>           size = 6) +</a:t>
-            </a:r>
-          </a:p>
-          <a:p>
-            <a:r>
-              <a:rPr lang="en-GB" dirty="0" smtClean="0"/>
-              <a:t>  </a:t>
-            </a:r>
-            <a:r>
-              <a:rPr lang="en-GB" dirty="0" err="1" smtClean="0"/>
-              <a:t>theme_classic</a:t>
-            </a:r>
-            <a:r>
-              <a:rPr lang="en-GB" dirty="0" smtClean="0"/>
-              <a:t>()</a:t>
-            </a:r>
-          </a:p>
-          <a:p>
             <a:endParaRPr lang="en-GB" dirty="0"/>
           </a:p>
         </p:txBody>
@@ -3010,7 +2801,7 @@
     </p:spTree>
     <p:extLst>
       <p:ext uri="{BB962C8B-B14F-4D97-AF65-F5344CB8AC3E}">
-        <p14:creationId xmlns:p14="http://schemas.microsoft.com/office/powerpoint/2010/main" val="1135616709"/>
+        <p14:creationId xmlns:p14="http://schemas.microsoft.com/office/powerpoint/2010/main" val="1448298216"/>
       </p:ext>
     </p:extLst>
   </p:cSld>
@@ -3178,7 +2969,7 @@
     </p:spTree>
     <p:extLst>
       <p:ext uri="{BB962C8B-B14F-4D97-AF65-F5344CB8AC3E}">
-        <p14:creationId xmlns:p14="http://schemas.microsoft.com/office/powerpoint/2010/main" val="1448298216"/>
+        <p14:creationId xmlns:p14="http://schemas.microsoft.com/office/powerpoint/2010/main" val="115517392"/>
       </p:ext>
     </p:extLst>
   </p:cSld>
@@ -3295,19 +3086,21 @@
       </p:grpSpPr>
       <p:sp>
         <p:nvSpPr>
-          <p:cNvPr id="2" name="Slide Image Placeholder 1"/>
+          <p:cNvPr id="84994" name="Slide Image Placeholder 1"/>
           <p:cNvSpPr>
-            <a:spLocks noGrp="1" noRot="1" noChangeAspect="1"/>
+            <a:spLocks noGrp="1" noRot="1" noChangeAspect="1" noTextEdit="1"/>
           </p:cNvSpPr>
           <p:nvPr>
             <p:ph type="sldImg"/>
           </p:nvPr>
         </p:nvSpPr>
-        <p:spPr/>
-      </p:sp>
-      <p:sp>
-        <p:nvSpPr>
-          <p:cNvPr id="3" name="Notes Placeholder 2"/>
+        <p:spPr>
+          <a:ln/>
+        </p:spPr>
+      </p:sp>
+      <p:sp>
+        <p:nvSpPr>
+          <p:cNvPr id="84995" name="Notes Placeholder 2"/>
           <p:cNvSpPr>
             <a:spLocks noGrp="1"/>
           </p:cNvSpPr>
@@ -3315,42 +3108,229 @@
             <p:ph type="body" idx="1"/>
           </p:nvPr>
         </p:nvSpPr>
-        <p:spPr/>
+        <p:spPr>
+          <a:noFill/>
+          <a:ln/>
+          <a:extLst>
+            <a:ext uri="{909E8E84-426E-40DD-AFC4-6F175D3DCCD1}">
+              <a14:hiddenFill xmlns:a14="http://schemas.microsoft.com/office/drawing/2010/main">
+                <a:solidFill>
+                  <a:srgbClr val="FFFFFF"/>
+                </a:solidFill>
+              </a14:hiddenFill>
+            </a:ext>
+            <a:ext uri="{91240B29-F687-4F45-9708-019B960494DF}">
+              <a14:hiddenLine xmlns:a14="http://schemas.microsoft.com/office/drawing/2010/main" w="9525">
+                <a:solidFill>
+                  <a:srgbClr val="000000"/>
+                </a:solidFill>
+                <a:miter lim="800000"/>
+                <a:headEnd/>
+                <a:tailEnd/>
+              </a14:hiddenLine>
+            </a:ext>
+          </a:extLst>
+        </p:spPr>
         <p:txBody>
           <a:bodyPr/>
           <a:lstStyle/>
           <a:p>
-            <a:endParaRPr lang="en-GB" dirty="0"/>
-          </a:p>
-        </p:txBody>
-      </p:sp>
-      <p:sp>
-        <p:nvSpPr>
-          <p:cNvPr id="4" name="Slide Number Placeholder 3"/>
+            <a:r>
+              <a:rPr lang="en-GB" altLang="en-US" dirty="0">
+                <a:latin typeface="Arial" pitchFamily="34" charset="0"/>
+              </a:rPr>
+              <a:t>Remember to quote two sets of </a:t>
+            </a:r>
+            <a:r>
+              <a:rPr lang="en-GB" altLang="en-US" dirty="0" err="1">
+                <a:latin typeface="Arial" pitchFamily="34" charset="0"/>
+              </a:rPr>
+              <a:t>df</a:t>
+            </a:r>
+            <a:r>
+              <a:rPr lang="en-GB" altLang="en-US" dirty="0">
+                <a:latin typeface="Arial" pitchFamily="34" charset="0"/>
+              </a:rPr>
+              <a:t> for each F</a:t>
+            </a:r>
+          </a:p>
+        </p:txBody>
+      </p:sp>
+      <p:sp>
+        <p:nvSpPr>
+          <p:cNvPr id="84996" name="Slide Number Placeholder 3"/>
           <p:cNvSpPr>
             <a:spLocks noGrp="1"/>
           </p:cNvSpPr>
           <p:nvPr>
-            <p:ph type="sldNum" sz="quarter" idx="10"/>
+            <p:ph type="sldNum" sz="quarter" idx="5"/>
           </p:nvPr>
         </p:nvSpPr>
-        <p:spPr/>
+        <p:spPr>
+          <a:noFill/>
+          <a:ln/>
+          <a:extLst>
+            <a:ext uri="{909E8E84-426E-40DD-AFC4-6F175D3DCCD1}">
+              <a14:hiddenFill xmlns:a14="http://schemas.microsoft.com/office/drawing/2010/main">
+                <a:solidFill>
+                  <a:srgbClr val="FFFFFF"/>
+                </a:solidFill>
+              </a14:hiddenFill>
+            </a:ext>
+            <a:ext uri="{91240B29-F687-4F45-9708-019B960494DF}">
+              <a14:hiddenLine xmlns:a14="http://schemas.microsoft.com/office/drawing/2010/main" w="9525">
+                <a:solidFill>
+                  <a:srgbClr val="000000"/>
+                </a:solidFill>
+                <a:miter lim="800000"/>
+                <a:headEnd/>
+                <a:tailEnd/>
+              </a14:hiddenLine>
+            </a:ext>
+          </a:extLst>
+        </p:spPr>
         <p:txBody>
           <a:bodyPr/>
-          <a:lstStyle/>
-          <a:p>
-            <a:fld id="{EE96B617-D044-4BB8-AD54-2A899191954D}" type="slidenum">
-              <a:rPr lang="en-GB" smtClean="0"/>
-              <a:t>34</a:t>
+          <a:lstStyle>
+            <a:lvl1pPr eaLnBrk="0" hangingPunct="0">
+              <a:spcBef>
+                <a:spcPct val="30000"/>
+              </a:spcBef>
+              <a:defRPr kumimoji="1" sz="1300">
+                <a:solidFill>
+                  <a:schemeClr val="tx1"/>
+                </a:solidFill>
+                <a:latin typeface="Arial" pitchFamily="34" charset="0"/>
+              </a:defRPr>
+            </a:lvl1pPr>
+            <a:lvl2pPr marL="804838" indent="-309553" eaLnBrk="0" hangingPunct="0">
+              <a:spcBef>
+                <a:spcPct val="30000"/>
+              </a:spcBef>
+              <a:defRPr kumimoji="1" sz="1300">
+                <a:solidFill>
+                  <a:schemeClr val="tx1"/>
+                </a:solidFill>
+                <a:latin typeface="Arial" pitchFamily="34" charset="0"/>
+              </a:defRPr>
+            </a:lvl2pPr>
+            <a:lvl3pPr marL="1238212" indent="-247642" eaLnBrk="0" hangingPunct="0">
+              <a:spcBef>
+                <a:spcPct val="30000"/>
+              </a:spcBef>
+              <a:defRPr kumimoji="1" sz="1300">
+                <a:solidFill>
+                  <a:schemeClr val="tx1"/>
+                </a:solidFill>
+                <a:latin typeface="Arial" pitchFamily="34" charset="0"/>
+              </a:defRPr>
+            </a:lvl3pPr>
+            <a:lvl4pPr marL="1733497" indent="-247642" eaLnBrk="0" hangingPunct="0">
+              <a:spcBef>
+                <a:spcPct val="30000"/>
+              </a:spcBef>
+              <a:defRPr kumimoji="1" sz="1300">
+                <a:solidFill>
+                  <a:schemeClr val="tx1"/>
+                </a:solidFill>
+                <a:latin typeface="Arial" pitchFamily="34" charset="0"/>
+              </a:defRPr>
+            </a:lvl4pPr>
+            <a:lvl5pPr marL="2228781" indent="-247642" eaLnBrk="0" hangingPunct="0">
+              <a:spcBef>
+                <a:spcPct val="30000"/>
+              </a:spcBef>
+              <a:defRPr kumimoji="1" sz="1300">
+                <a:solidFill>
+                  <a:schemeClr val="tx1"/>
+                </a:solidFill>
+                <a:latin typeface="Arial" pitchFamily="34" charset="0"/>
+              </a:defRPr>
+            </a:lvl5pPr>
+            <a:lvl6pPr marL="2724066" indent="-247642" eaLnBrk="0" fontAlgn="base" hangingPunct="0">
+              <a:spcBef>
+                <a:spcPct val="30000"/>
+              </a:spcBef>
+              <a:spcAft>
+                <a:spcPct val="0"/>
+              </a:spcAft>
+              <a:defRPr kumimoji="1" sz="1300">
+                <a:solidFill>
+                  <a:schemeClr val="tx1"/>
+                </a:solidFill>
+                <a:latin typeface="Arial" pitchFamily="34" charset="0"/>
+              </a:defRPr>
+            </a:lvl6pPr>
+            <a:lvl7pPr marL="3219351" indent="-247642" eaLnBrk="0" fontAlgn="base" hangingPunct="0">
+              <a:spcBef>
+                <a:spcPct val="30000"/>
+              </a:spcBef>
+              <a:spcAft>
+                <a:spcPct val="0"/>
+              </a:spcAft>
+              <a:defRPr kumimoji="1" sz="1300">
+                <a:solidFill>
+                  <a:schemeClr val="tx1"/>
+                </a:solidFill>
+                <a:latin typeface="Arial" pitchFamily="34" charset="0"/>
+              </a:defRPr>
+            </a:lvl7pPr>
+            <a:lvl8pPr marL="3714636" indent="-247642" eaLnBrk="0" fontAlgn="base" hangingPunct="0">
+              <a:spcBef>
+                <a:spcPct val="30000"/>
+              </a:spcBef>
+              <a:spcAft>
+                <a:spcPct val="0"/>
+              </a:spcAft>
+              <a:defRPr kumimoji="1" sz="1300">
+                <a:solidFill>
+                  <a:schemeClr val="tx1"/>
+                </a:solidFill>
+                <a:latin typeface="Arial" pitchFamily="34" charset="0"/>
+              </a:defRPr>
+            </a:lvl8pPr>
+            <a:lvl9pPr marL="4209920" indent="-247642" eaLnBrk="0" fontAlgn="base" hangingPunct="0">
+              <a:spcBef>
+                <a:spcPct val="30000"/>
+              </a:spcBef>
+              <a:spcAft>
+                <a:spcPct val="0"/>
+              </a:spcAft>
+              <a:defRPr kumimoji="1" sz="1300">
+                <a:solidFill>
+                  <a:schemeClr val="tx1"/>
+                </a:solidFill>
+                <a:latin typeface="Arial" pitchFamily="34" charset="0"/>
+              </a:defRPr>
+            </a:lvl9pPr>
+          </a:lstStyle>
+          <a:p>
+            <a:pPr>
+              <a:spcBef>
+                <a:spcPct val="0"/>
+              </a:spcBef>
+            </a:pPr>
+            <a:fld id="{E916856A-F991-4822-93F9-3165A807D5B8}" type="slidenum">
+              <a:rPr kumimoji="0" lang="en-GB" altLang="en-US" smtClean="0">
+                <a:latin typeface="Times New Roman" pitchFamily="18" charset="0"/>
+              </a:rPr>
+              <a:pPr>
+                <a:spcBef>
+                  <a:spcPct val="0"/>
+                </a:spcBef>
+              </a:pPr>
+              <a:t>41</a:t>
             </a:fld>
-            <a:endParaRPr lang="en-GB"/>
+            <a:endParaRPr kumimoji="0" lang="en-GB" altLang="en-US">
+              <a:latin typeface="Times New Roman" pitchFamily="18" charset="0"/>
+            </a:endParaRPr>
           </a:p>
         </p:txBody>
       </p:sp>
     </p:spTree>
     <p:extLst>
       <p:ext uri="{BB962C8B-B14F-4D97-AF65-F5344CB8AC3E}">
-        <p14:creationId xmlns:p14="http://schemas.microsoft.com/office/powerpoint/2010/main" val="115517392"/>
+        <p14:creationId xmlns:p14="http://schemas.microsoft.com/office/powerpoint/2010/main" val="3225392261"/>
       </p:ext>
     </p:extLst>
   </p:cSld>
@@ -3379,21 +3359,19 @@
       </p:grpSpPr>
       <p:sp>
         <p:nvSpPr>
-          <p:cNvPr id="84994" name="Slide Image Placeholder 1"/>
+          <p:cNvPr id="2" name="Slide Image Placeholder 1"/>
           <p:cNvSpPr>
-            <a:spLocks noGrp="1" noRot="1" noChangeAspect="1" noTextEdit="1"/>
+            <a:spLocks noGrp="1" noRot="1" noChangeAspect="1"/>
           </p:cNvSpPr>
           <p:nvPr>
             <p:ph type="sldImg"/>
           </p:nvPr>
         </p:nvSpPr>
-        <p:spPr>
-          <a:ln/>
-        </p:spPr>
-      </p:sp>
-      <p:sp>
-        <p:nvSpPr>
-          <p:cNvPr id="84995" name="Notes Placeholder 2"/>
+        <p:spPr/>
+      </p:sp>
+      <p:sp>
+        <p:nvSpPr>
+          <p:cNvPr id="3" name="Notes Placeholder 2"/>
           <p:cNvSpPr>
             <a:spLocks noGrp="1"/>
           </p:cNvSpPr>
@@ -3401,229 +3379,156 @@
             <p:ph type="body" idx="1"/>
           </p:nvPr>
         </p:nvSpPr>
-        <p:spPr>
-          <a:noFill/>
-          <a:ln/>
-          <a:extLst>
-            <a:ext uri="{909E8E84-426E-40DD-AFC4-6F175D3DCCD1}">
-              <a14:hiddenFill xmlns:a14="http://schemas.microsoft.com/office/drawing/2010/main">
-                <a:solidFill>
-                  <a:srgbClr val="FFFFFF"/>
-                </a:solidFill>
-              </a14:hiddenFill>
-            </a:ext>
-            <a:ext uri="{91240B29-F687-4F45-9708-019B960494DF}">
-              <a14:hiddenLine xmlns:a14="http://schemas.microsoft.com/office/drawing/2010/main" w="9525">
-                <a:solidFill>
-                  <a:srgbClr val="000000"/>
-                </a:solidFill>
-                <a:miter lim="800000"/>
-                <a:headEnd/>
-                <a:tailEnd/>
-              </a14:hiddenLine>
-            </a:ext>
-          </a:extLst>
-        </p:spPr>
+        <p:spPr/>
         <p:txBody>
           <a:bodyPr/>
           <a:lstStyle/>
           <a:p>
             <a:r>
-              <a:rPr lang="en-GB" altLang="en-US" dirty="0">
-                <a:latin typeface="Arial" pitchFamily="34" charset="0"/>
-              </a:rPr>
-              <a:t>Remember to quote two sets of </a:t>
-            </a:r>
-            <a:r>
-              <a:rPr lang="en-GB" altLang="en-US" dirty="0" err="1">
-                <a:latin typeface="Arial" pitchFamily="34" charset="0"/>
-              </a:rPr>
-              <a:t>df</a:t>
-            </a:r>
-            <a:r>
-              <a:rPr lang="en-GB" altLang="en-US" dirty="0">
-                <a:latin typeface="Arial" pitchFamily="34" charset="0"/>
-              </a:rPr>
-              <a:t> for each F</a:t>
-            </a:r>
-          </a:p>
-        </p:txBody>
-      </p:sp>
-      <p:sp>
-        <p:nvSpPr>
-          <p:cNvPr id="84996" name="Slide Number Placeholder 3"/>
+              <a:rPr lang="en-GB" dirty="0" err="1" smtClean="0"/>
+              <a:t>ggplot</a:t>
+            </a:r>
+            <a:r>
+              <a:rPr lang="en-GB" dirty="0" smtClean="0"/>
+              <a:t>(data = shrimp, </a:t>
+            </a:r>
+            <a:r>
+              <a:rPr lang="en-GB" dirty="0" err="1" smtClean="0"/>
+              <a:t>aes</a:t>
+            </a:r>
+            <a:r>
+              <a:rPr lang="en-GB" dirty="0" smtClean="0"/>
+              <a:t>(x = temperature, y = respiration)) +</a:t>
+            </a:r>
+          </a:p>
+          <a:p>
+            <a:r>
+              <a:rPr lang="en-GB" dirty="0" smtClean="0"/>
+              <a:t>  </a:t>
+            </a:r>
+            <a:r>
+              <a:rPr lang="en-GB" dirty="0" err="1" smtClean="0"/>
+              <a:t>geom_point</a:t>
+            </a:r>
+            <a:r>
+              <a:rPr lang="en-GB" dirty="0" smtClean="0"/>
+              <a:t>() +</a:t>
+            </a:r>
+          </a:p>
+          <a:p>
+            <a:r>
+              <a:rPr lang="en-GB" dirty="0" smtClean="0"/>
+              <a:t>  </a:t>
+            </a:r>
+            <a:r>
+              <a:rPr lang="en-GB" dirty="0" err="1" smtClean="0"/>
+              <a:t>geom_smooth</a:t>
+            </a:r>
+            <a:r>
+              <a:rPr lang="en-GB" dirty="0" smtClean="0"/>
+              <a:t>(method = "lm", se = FALSE, colour = "black") +</a:t>
+            </a:r>
+          </a:p>
+          <a:p>
+            <a:r>
+              <a:rPr lang="en-GB" dirty="0" smtClean="0"/>
+              <a:t>  </a:t>
+            </a:r>
+            <a:r>
+              <a:rPr lang="en-GB" dirty="0" err="1" smtClean="0"/>
+              <a:t>xlim</a:t>
+            </a:r>
+            <a:r>
+              <a:rPr lang="en-GB" dirty="0" smtClean="0"/>
+              <a:t>(0, 35) +</a:t>
+            </a:r>
+          </a:p>
+          <a:p>
+            <a:r>
+              <a:rPr lang="en-GB" dirty="0" smtClean="0"/>
+              <a:t>  </a:t>
+            </a:r>
+            <a:r>
+              <a:rPr lang="en-GB" dirty="0" err="1" smtClean="0"/>
+              <a:t>ylim</a:t>
+            </a:r>
+            <a:r>
+              <a:rPr lang="en-GB" dirty="0" smtClean="0"/>
+              <a:t>(0, 30) +</a:t>
+            </a:r>
+          </a:p>
+          <a:p>
+            <a:r>
+              <a:rPr lang="en-GB" dirty="0" smtClean="0"/>
+              <a:t>  </a:t>
+            </a:r>
+            <a:r>
+              <a:rPr lang="en-GB" dirty="0" err="1" smtClean="0"/>
+              <a:t>ylab</a:t>
+            </a:r>
+            <a:r>
+              <a:rPr lang="en-GB" dirty="0" smtClean="0"/>
+              <a:t>("Respiration rate (units") +</a:t>
+            </a:r>
+          </a:p>
+          <a:p>
+            <a:r>
+              <a:rPr lang="en-GB" dirty="0" smtClean="0"/>
+              <a:t>  </a:t>
+            </a:r>
+            <a:r>
+              <a:rPr lang="en-GB" dirty="0" err="1" smtClean="0"/>
+              <a:t>xlab</a:t>
+            </a:r>
+            <a:r>
+              <a:rPr lang="en-GB" dirty="0" smtClean="0"/>
+              <a:t>("Temperature (C)") +</a:t>
+            </a:r>
+          </a:p>
+          <a:p>
+            <a:r>
+              <a:rPr lang="en-GB" dirty="0" smtClean="0"/>
+              <a:t>  </a:t>
+            </a:r>
+            <a:r>
+              <a:rPr lang="en-GB" dirty="0" err="1" smtClean="0"/>
+              <a:t>theme_classic</a:t>
+            </a:r>
+            <a:r>
+              <a:rPr lang="en-GB" dirty="0" smtClean="0"/>
+              <a:t>()</a:t>
+            </a:r>
+            <a:endParaRPr lang="en-GB" dirty="0"/>
+          </a:p>
+        </p:txBody>
+      </p:sp>
+      <p:sp>
+        <p:nvSpPr>
+          <p:cNvPr id="4" name="Slide Number Placeholder 3"/>
           <p:cNvSpPr>
             <a:spLocks noGrp="1"/>
           </p:cNvSpPr>
           <p:nvPr>
-            <p:ph type="sldNum" sz="quarter" idx="5"/>
+            <p:ph type="sldNum" sz="quarter" idx="10"/>
           </p:nvPr>
         </p:nvSpPr>
-        <p:spPr>
-          <a:noFill/>
-          <a:ln/>
-          <a:extLst>
-            <a:ext uri="{909E8E84-426E-40DD-AFC4-6F175D3DCCD1}">
-              <a14:hiddenFill xmlns:a14="http://schemas.microsoft.com/office/drawing/2010/main">
-                <a:solidFill>
-                  <a:srgbClr val="FFFFFF"/>
-                </a:solidFill>
-              </a14:hiddenFill>
-            </a:ext>
-            <a:ext uri="{91240B29-F687-4F45-9708-019B960494DF}">
-              <a14:hiddenLine xmlns:a14="http://schemas.microsoft.com/office/drawing/2010/main" w="9525">
-                <a:solidFill>
-                  <a:srgbClr val="000000"/>
-                </a:solidFill>
-                <a:miter lim="800000"/>
-                <a:headEnd/>
-                <a:tailEnd/>
-              </a14:hiddenLine>
-            </a:ext>
-          </a:extLst>
-        </p:spPr>
+        <p:spPr/>
         <p:txBody>
           <a:bodyPr/>
-          <a:lstStyle>
-            <a:lvl1pPr eaLnBrk="0" hangingPunct="0">
-              <a:spcBef>
-                <a:spcPct val="30000"/>
-              </a:spcBef>
-              <a:defRPr kumimoji="1" sz="1300">
-                <a:solidFill>
-                  <a:schemeClr val="tx1"/>
-                </a:solidFill>
-                <a:latin typeface="Arial" pitchFamily="34" charset="0"/>
-              </a:defRPr>
-            </a:lvl1pPr>
-            <a:lvl2pPr marL="804838" indent="-309553" eaLnBrk="0" hangingPunct="0">
-              <a:spcBef>
-                <a:spcPct val="30000"/>
-              </a:spcBef>
-              <a:defRPr kumimoji="1" sz="1300">
-                <a:solidFill>
-                  <a:schemeClr val="tx1"/>
-                </a:solidFill>
-                <a:latin typeface="Arial" pitchFamily="34" charset="0"/>
-              </a:defRPr>
-            </a:lvl2pPr>
-            <a:lvl3pPr marL="1238212" indent="-247642" eaLnBrk="0" hangingPunct="0">
-              <a:spcBef>
-                <a:spcPct val="30000"/>
-              </a:spcBef>
-              <a:defRPr kumimoji="1" sz="1300">
-                <a:solidFill>
-                  <a:schemeClr val="tx1"/>
-                </a:solidFill>
-                <a:latin typeface="Arial" pitchFamily="34" charset="0"/>
-              </a:defRPr>
-            </a:lvl3pPr>
-            <a:lvl4pPr marL="1733497" indent="-247642" eaLnBrk="0" hangingPunct="0">
-              <a:spcBef>
-                <a:spcPct val="30000"/>
-              </a:spcBef>
-              <a:defRPr kumimoji="1" sz="1300">
-                <a:solidFill>
-                  <a:schemeClr val="tx1"/>
-                </a:solidFill>
-                <a:latin typeface="Arial" pitchFamily="34" charset="0"/>
-              </a:defRPr>
-            </a:lvl4pPr>
-            <a:lvl5pPr marL="2228781" indent="-247642" eaLnBrk="0" hangingPunct="0">
-              <a:spcBef>
-                <a:spcPct val="30000"/>
-              </a:spcBef>
-              <a:defRPr kumimoji="1" sz="1300">
-                <a:solidFill>
-                  <a:schemeClr val="tx1"/>
-                </a:solidFill>
-                <a:latin typeface="Arial" pitchFamily="34" charset="0"/>
-              </a:defRPr>
-            </a:lvl5pPr>
-            <a:lvl6pPr marL="2724066" indent="-247642" eaLnBrk="0" fontAlgn="base" hangingPunct="0">
-              <a:spcBef>
-                <a:spcPct val="30000"/>
-              </a:spcBef>
-              <a:spcAft>
-                <a:spcPct val="0"/>
-              </a:spcAft>
-              <a:defRPr kumimoji="1" sz="1300">
-                <a:solidFill>
-                  <a:schemeClr val="tx1"/>
-                </a:solidFill>
-                <a:latin typeface="Arial" pitchFamily="34" charset="0"/>
-              </a:defRPr>
-            </a:lvl6pPr>
-            <a:lvl7pPr marL="3219351" indent="-247642" eaLnBrk="0" fontAlgn="base" hangingPunct="0">
-              <a:spcBef>
-                <a:spcPct val="30000"/>
-              </a:spcBef>
-              <a:spcAft>
-                <a:spcPct val="0"/>
-              </a:spcAft>
-              <a:defRPr kumimoji="1" sz="1300">
-                <a:solidFill>
-                  <a:schemeClr val="tx1"/>
-                </a:solidFill>
-                <a:latin typeface="Arial" pitchFamily="34" charset="0"/>
-              </a:defRPr>
-            </a:lvl7pPr>
-            <a:lvl8pPr marL="3714636" indent="-247642" eaLnBrk="0" fontAlgn="base" hangingPunct="0">
-              <a:spcBef>
-                <a:spcPct val="30000"/>
-              </a:spcBef>
-              <a:spcAft>
-                <a:spcPct val="0"/>
-              </a:spcAft>
-              <a:defRPr kumimoji="1" sz="1300">
-                <a:solidFill>
-                  <a:schemeClr val="tx1"/>
-                </a:solidFill>
-                <a:latin typeface="Arial" pitchFamily="34" charset="0"/>
-              </a:defRPr>
-            </a:lvl8pPr>
-            <a:lvl9pPr marL="4209920" indent="-247642" eaLnBrk="0" fontAlgn="base" hangingPunct="0">
-              <a:spcBef>
-                <a:spcPct val="30000"/>
-              </a:spcBef>
-              <a:spcAft>
-                <a:spcPct val="0"/>
-              </a:spcAft>
-              <a:defRPr kumimoji="1" sz="1300">
-                <a:solidFill>
-                  <a:schemeClr val="tx1"/>
-                </a:solidFill>
-                <a:latin typeface="Arial" pitchFamily="34" charset="0"/>
-              </a:defRPr>
-            </a:lvl9pPr>
-          </a:lstStyle>
-          <a:p>
-            <a:pPr>
-              <a:spcBef>
-                <a:spcPct val="0"/>
-              </a:spcBef>
-            </a:pPr>
-            <a:fld id="{E916856A-F991-4822-93F9-3165A807D5B8}" type="slidenum">
-              <a:rPr kumimoji="0" lang="en-GB" altLang="en-US" smtClean="0">
-                <a:latin typeface="Times New Roman" pitchFamily="18" charset="0"/>
-              </a:rPr>
-              <a:pPr>
-                <a:spcBef>
-                  <a:spcPct val="0"/>
-                </a:spcBef>
-              </a:pPr>
-              <a:t>40</a:t>
+          <a:lstStyle/>
+          <a:p>
+            <a:fld id="{EE96B617-D044-4BB8-AD54-2A899191954D}" type="slidenum">
+              <a:rPr lang="en-GB" smtClean="0"/>
+              <a:t>42</a:t>
             </a:fld>
-            <a:endParaRPr kumimoji="0" lang="en-GB" altLang="en-US">
-              <a:latin typeface="Times New Roman" pitchFamily="18" charset="0"/>
-            </a:endParaRPr>
+            <a:endParaRPr lang="en-GB"/>
           </a:p>
         </p:txBody>
       </p:sp>
     </p:spTree>
     <p:extLst>
       <p:ext uri="{BB962C8B-B14F-4D97-AF65-F5344CB8AC3E}">
-        <p14:creationId xmlns:p14="http://schemas.microsoft.com/office/powerpoint/2010/main" val="3225392261"/>
+        <p14:creationId xmlns:p14="http://schemas.microsoft.com/office/powerpoint/2010/main" val="1732028203"/>
       </p:ext>
     </p:extLst>
   </p:cSld>
@@ -3652,204 +3557,6 @@
       </p:grpSpPr>
       <p:sp>
         <p:nvSpPr>
-          <p:cNvPr id="2" name="Slide Image Placeholder 1"/>
-          <p:cNvSpPr>
-            <a:spLocks noGrp="1" noRot="1" noChangeAspect="1"/>
-          </p:cNvSpPr>
-          <p:nvPr>
-            <p:ph type="sldImg"/>
-          </p:nvPr>
-        </p:nvSpPr>
-        <p:spPr/>
-      </p:sp>
-      <p:sp>
-        <p:nvSpPr>
-          <p:cNvPr id="3" name="Notes Placeholder 2"/>
-          <p:cNvSpPr>
-            <a:spLocks noGrp="1"/>
-          </p:cNvSpPr>
-          <p:nvPr>
-            <p:ph type="body" idx="1"/>
-          </p:nvPr>
-        </p:nvSpPr>
-        <p:spPr/>
-        <p:txBody>
-          <a:bodyPr/>
-          <a:lstStyle/>
-          <a:p>
-            <a:r>
-              <a:rPr lang="en-GB" dirty="0" err="1" smtClean="0"/>
-              <a:t>ggplot</a:t>
-            </a:r>
-            <a:r>
-              <a:rPr lang="en-GB" dirty="0" smtClean="0"/>
-              <a:t>(data = shrimp, </a:t>
-            </a:r>
-            <a:r>
-              <a:rPr lang="en-GB" dirty="0" err="1" smtClean="0"/>
-              <a:t>aes</a:t>
-            </a:r>
-            <a:r>
-              <a:rPr lang="en-GB" dirty="0" smtClean="0"/>
-              <a:t>(x = temperature, y = respiration)) +</a:t>
-            </a:r>
-          </a:p>
-          <a:p>
-            <a:r>
-              <a:rPr lang="en-GB" dirty="0" smtClean="0"/>
-              <a:t>  </a:t>
-            </a:r>
-            <a:r>
-              <a:rPr lang="en-GB" dirty="0" err="1" smtClean="0"/>
-              <a:t>geom_point</a:t>
-            </a:r>
-            <a:r>
-              <a:rPr lang="en-GB" dirty="0" smtClean="0"/>
-              <a:t>() +</a:t>
-            </a:r>
-          </a:p>
-          <a:p>
-            <a:r>
-              <a:rPr lang="en-GB" dirty="0" smtClean="0"/>
-              <a:t>  </a:t>
-            </a:r>
-            <a:r>
-              <a:rPr lang="en-GB" dirty="0" err="1" smtClean="0"/>
-              <a:t>geom_smooth</a:t>
-            </a:r>
-            <a:r>
-              <a:rPr lang="en-GB" dirty="0" smtClean="0"/>
-              <a:t>(method = "lm", se = FALSE, colour = "black") +</a:t>
-            </a:r>
-          </a:p>
-          <a:p>
-            <a:r>
-              <a:rPr lang="en-GB" dirty="0" smtClean="0"/>
-              <a:t>  </a:t>
-            </a:r>
-            <a:r>
-              <a:rPr lang="en-GB" dirty="0" err="1" smtClean="0"/>
-              <a:t>xlim</a:t>
-            </a:r>
-            <a:r>
-              <a:rPr lang="en-GB" dirty="0" smtClean="0"/>
-              <a:t>(0, 35) +</a:t>
-            </a:r>
-          </a:p>
-          <a:p>
-            <a:r>
-              <a:rPr lang="en-GB" dirty="0" smtClean="0"/>
-              <a:t>  </a:t>
-            </a:r>
-            <a:r>
-              <a:rPr lang="en-GB" dirty="0" err="1" smtClean="0"/>
-              <a:t>ylim</a:t>
-            </a:r>
-            <a:r>
-              <a:rPr lang="en-GB" dirty="0" smtClean="0"/>
-              <a:t>(0, 30) +</a:t>
-            </a:r>
-          </a:p>
-          <a:p>
-            <a:r>
-              <a:rPr lang="en-GB" dirty="0" smtClean="0"/>
-              <a:t>  </a:t>
-            </a:r>
-            <a:r>
-              <a:rPr lang="en-GB" dirty="0" err="1" smtClean="0"/>
-              <a:t>ylab</a:t>
-            </a:r>
-            <a:r>
-              <a:rPr lang="en-GB" dirty="0" smtClean="0"/>
-              <a:t>("Respiration rate (units") +</a:t>
-            </a:r>
-          </a:p>
-          <a:p>
-            <a:r>
-              <a:rPr lang="en-GB" dirty="0" smtClean="0"/>
-              <a:t>  </a:t>
-            </a:r>
-            <a:r>
-              <a:rPr lang="en-GB" dirty="0" err="1" smtClean="0"/>
-              <a:t>xlab</a:t>
-            </a:r>
-            <a:r>
-              <a:rPr lang="en-GB" dirty="0" smtClean="0"/>
-              <a:t>("Temperature (C)") +</a:t>
-            </a:r>
-          </a:p>
-          <a:p>
-            <a:r>
-              <a:rPr lang="en-GB" dirty="0" smtClean="0"/>
-              <a:t>  </a:t>
-            </a:r>
-            <a:r>
-              <a:rPr lang="en-GB" dirty="0" err="1" smtClean="0"/>
-              <a:t>theme_classic</a:t>
-            </a:r>
-            <a:r>
-              <a:rPr lang="en-GB" dirty="0" smtClean="0"/>
-              <a:t>()</a:t>
-            </a:r>
-            <a:endParaRPr lang="en-GB" dirty="0"/>
-          </a:p>
-        </p:txBody>
-      </p:sp>
-      <p:sp>
-        <p:nvSpPr>
-          <p:cNvPr id="4" name="Slide Number Placeholder 3"/>
-          <p:cNvSpPr>
-            <a:spLocks noGrp="1"/>
-          </p:cNvSpPr>
-          <p:nvPr>
-            <p:ph type="sldNum" sz="quarter" idx="10"/>
-          </p:nvPr>
-        </p:nvSpPr>
-        <p:spPr/>
-        <p:txBody>
-          <a:bodyPr/>
-          <a:lstStyle/>
-          <a:p>
-            <a:fld id="{EE96B617-D044-4BB8-AD54-2A899191954D}" type="slidenum">
-              <a:rPr lang="en-GB" smtClean="0"/>
-              <a:t>41</a:t>
-            </a:fld>
-            <a:endParaRPr lang="en-GB"/>
-          </a:p>
-        </p:txBody>
-      </p:sp>
-    </p:spTree>
-    <p:extLst>
-      <p:ext uri="{BB962C8B-B14F-4D97-AF65-F5344CB8AC3E}">
-        <p14:creationId xmlns:p14="http://schemas.microsoft.com/office/powerpoint/2010/main" val="1732028203"/>
-      </p:ext>
-    </p:extLst>
-  </p:cSld>
-  <p:clrMapOvr>
-    <a:masterClrMapping/>
-  </p:clrMapOvr>
-</p:notes>
-</file>
-
-<file path=ppt/notesSlides/notesSlide23.xml><?xml version="1.0" encoding="utf-8"?>
-<p:notes xmlns:a="http://schemas.openxmlformats.org/drawingml/2006/main" xmlns:r="http://schemas.openxmlformats.org/officeDocument/2006/relationships" xmlns:p="http://schemas.openxmlformats.org/presentationml/2006/main">
-  <p:cSld>
-    <p:spTree>
-      <p:nvGrpSpPr>
-        <p:cNvPr id="1" name=""/>
-        <p:cNvGrpSpPr/>
-        <p:nvPr/>
-      </p:nvGrpSpPr>
-      <p:grpSpPr>
-        <a:xfrm>
-          <a:off x="0" y="0"/>
-          <a:ext cx="0" cy="0"/>
-          <a:chOff x="0" y="0"/>
-          <a:chExt cx="0" cy="0"/>
-        </a:xfrm>
-      </p:grpSpPr>
-      <p:sp>
-        <p:nvSpPr>
           <p:cNvPr id="76802" name="Slide Image Placeholder 1"/>
           <p:cNvSpPr>
             <a:spLocks noGrp="1" noRot="1" noChangeAspect="1" noTextEdit="1"/>
@@ -4068,7 +3775,7 @@
                   <a:spcPct val="0"/>
                 </a:spcBef>
               </a:pPr>
-              <a:t>42</a:t>
+              <a:t>43</a:t>
             </a:fld>
             <a:endParaRPr kumimoji="0" lang="en-GB" altLang="en-US">
               <a:latin typeface="Times New Roman" pitchFamily="18" charset="0"/>
@@ -15967,7 +15674,7 @@
           <a:graphicData uri="http://schemas.openxmlformats.org/presentationml/2006/ole">
             <mc:AlternateContent xmlns:mc="http://schemas.openxmlformats.org/markup-compatibility/2006">
               <mc:Choice xmlns:v="urn:schemas-microsoft-com:vml" Requires="v">
-                <p:oleObj spid="_x0000_s25847" name="Equation" r:id="rId5" imgW="2057400" imgH="393480" progId="Equation.3">
+                <p:oleObj spid="_x0000_s25848" name="Equation" r:id="rId5" imgW="2057400" imgH="393480" progId="Equation.3">
                   <p:embed/>
                 </p:oleObj>
               </mc:Choice>
@@ -17872,7 +17579,7 @@
       </p:grpSpPr>
       <p:sp>
         <p:nvSpPr>
-          <p:cNvPr id="4" name="Slide Number Placeholder 3"/>
+          <p:cNvPr id="2" name="Slide Number Placeholder 1"/>
           <p:cNvSpPr>
             <a:spLocks noGrp="1"/>
           </p:cNvSpPr>
@@ -17890,13 +17597,108 @@
               <a:pPr/>
               <a:t>31</a:t>
             </a:fld>
-            <a:endParaRPr lang="en-US" dirty="0"/>
-          </a:p>
-        </p:txBody>
-      </p:sp>
-      <p:sp>
-        <p:nvSpPr>
-          <p:cNvPr id="18" name="Rectangle 2"/>
+            <a:endParaRPr lang="en-US"/>
+          </a:p>
+        </p:txBody>
+      </p:sp>
+      <p:sp>
+        <p:nvSpPr>
+          <p:cNvPr id="3" name="Rectangle 2"/>
+          <p:cNvSpPr/>
+          <p:nvPr/>
+        </p:nvSpPr>
+        <p:spPr>
+          <a:xfrm>
+            <a:off x="609600" y="1676400"/>
+            <a:ext cx="7391400" cy="4031873"/>
+          </a:xfrm>
+          <a:prstGeom prst="rect">
+            <a:avLst/>
+          </a:prstGeom>
+        </p:spPr>
+        <p:txBody>
+          <a:bodyPr wrap="square">
+            <a:spAutoFit/>
+          </a:bodyPr>
+          <a:lstStyle/>
+          <a:p>
+            <a:r>
+              <a:rPr lang="en-GB" sz="3200" dirty="0"/>
+              <a:t>Can be expressed as:</a:t>
+            </a:r>
+          </a:p>
+          <a:p>
+            <a:pPr marL="914400" lvl="1" indent="-457200">
+              <a:buFont typeface="Arial" panose="020B0604020202020204" pitchFamily="34" charset="0"/>
+              <a:buChar char="•"/>
+            </a:pPr>
+            <a:r>
+              <a:rPr lang="en-GB" sz="3200" i="1" dirty="0"/>
+              <a:t>b</a:t>
+            </a:r>
+            <a:r>
+              <a:rPr lang="en-GB" sz="3200" i="1" baseline="-25000" dirty="0"/>
+              <a:t>1</a:t>
+            </a:r>
+            <a:r>
+              <a:rPr lang="en-GB" sz="3200" dirty="0"/>
+              <a:t> = 0 </a:t>
+            </a:r>
+          </a:p>
+          <a:p>
+            <a:pPr marL="914400" lvl="1" indent="-457200">
+              <a:buFont typeface="Arial" panose="020B0604020202020204" pitchFamily="34" charset="0"/>
+              <a:buChar char="•"/>
+            </a:pPr>
+            <a:r>
+              <a:rPr lang="en-GB" sz="3200" dirty="0"/>
+              <a:t>x cannot predict </a:t>
+            </a:r>
+            <a:r>
+              <a:rPr lang="en-GB" sz="3200" i="1" dirty="0"/>
+              <a:t>y</a:t>
+            </a:r>
+          </a:p>
+          <a:p>
+            <a:pPr marL="914400" lvl="1" indent="-457200">
+              <a:buFont typeface="Arial" panose="020B0604020202020204" pitchFamily="34" charset="0"/>
+              <a:buChar char="•"/>
+            </a:pPr>
+            <a:r>
+              <a:rPr lang="en-GB" sz="3200" dirty="0"/>
+              <a:t>Regression line doesn’t explain variance in </a:t>
+            </a:r>
+            <a:r>
+              <a:rPr lang="en-GB" sz="3200" i="1" dirty="0"/>
+              <a:t>y</a:t>
+            </a:r>
+          </a:p>
+          <a:p>
+            <a:pPr marL="914400" lvl="1" indent="-457200">
+              <a:buFont typeface="Arial" panose="020B0604020202020204" pitchFamily="34" charset="0"/>
+              <a:buChar char="•"/>
+            </a:pPr>
+            <a:endParaRPr lang="en-GB" sz="3200" dirty="0"/>
+          </a:p>
+          <a:p>
+            <a:pPr marL="457200" indent="-457200">
+              <a:buFont typeface="Arial" panose="020B0604020202020204" pitchFamily="34" charset="0"/>
+              <a:buChar char="•"/>
+            </a:pPr>
+            <a:endParaRPr lang="en-GB" sz="3200" dirty="0"/>
+          </a:p>
+          <a:p>
+            <a:pPr marL="457200" indent="-457200">
+              <a:buFont typeface="Arial" panose="020B0604020202020204" pitchFamily="34" charset="0"/>
+              <a:buChar char="•"/>
+            </a:pPr>
+            <a:endParaRPr lang="en-GB" sz="3200" dirty="0"/>
+          </a:p>
+        </p:txBody>
+      </p:sp>
+      <p:sp>
+        <p:nvSpPr>
+          <p:cNvPr id="5" name="Rectangle 2"/>
           <p:cNvSpPr txBox="1">
             <a:spLocks noChangeArrowheads="1"/>
           </p:cNvSpPr>
@@ -17938,135 +17740,101 @@
               <a:rPr lang="en-GB" altLang="en-US" sz="2400" dirty="0"/>
             </a:br>
             <a:r>
-              <a:rPr lang="en-GB" altLang="en-US" dirty="0" smtClean="0"/>
-              <a:t>The terminology</a:t>
+              <a:rPr lang="en-GB" dirty="0"/>
+              <a:t>Null hypothesis</a:t>
             </a:r>
             <a:endParaRPr lang="en-GB" altLang="en-US" dirty="0"/>
           </a:p>
         </p:txBody>
       </p:sp>
-      <p:pic>
-        <p:nvPicPr>
-          <p:cNvPr id="2" name="Picture 1"/>
-          <p:cNvPicPr>
-            <a:picLocks noChangeAspect="1"/>
-          </p:cNvPicPr>
+      <p:sp>
+        <p:nvSpPr>
+          <p:cNvPr id="7" name="Rectangle 6"/>
+          <p:cNvSpPr/>
           <p:nvPr/>
-        </p:nvPicPr>
-        <p:blipFill rotWithShape="1">
-          <a:blip r:embed="rId3"/>
-          <a:srcRect l="1471" t="2450" r="1" b="1342"/>
-          <a:stretch/>
-        </p:blipFill>
+        </p:nvSpPr>
         <p:spPr>
           <a:xfrm>
-            <a:off x="0" y="1828800"/>
-            <a:ext cx="4876799" cy="4876800"/>
+            <a:off x="647700" y="4449306"/>
+            <a:ext cx="7391400" cy="2246769"/>
           </a:xfrm>
           <a:prstGeom prst="rect">
             <a:avLst/>
           </a:prstGeom>
         </p:spPr>
-      </p:pic>
-      <p:sp>
-        <p:nvSpPr>
-          <p:cNvPr id="3" name="Rectangle 2"/>
-          <p:cNvSpPr/>
-          <p:nvPr/>
-        </p:nvSpPr>
-        <p:spPr>
-          <a:xfrm>
-            <a:off x="3733800" y="1447800"/>
-            <a:ext cx="5257800" cy="2677656"/>
-          </a:xfrm>
-          <a:prstGeom prst="rect">
-            <a:avLst/>
-          </a:prstGeom>
-        </p:spPr>
         <p:txBody>
           <a:bodyPr wrap="square">
             <a:spAutoFit/>
           </a:bodyPr>
           <a:lstStyle/>
           <a:p>
-            <a:pPr marL="0" lvl="1">
-              <a:defRPr/>
-            </a:pPr>
             <a:r>
               <a:rPr lang="en-GB" sz="2800" dirty="0" smtClean="0"/>
-              <a:t>Response = b</a:t>
-            </a:r>
-            <a:r>
-              <a:rPr lang="en-GB" sz="2800" baseline="-25000" dirty="0" smtClean="0"/>
-              <a:t>1</a:t>
-            </a:r>
+              <a:t>Assumptions</a:t>
+            </a:r>
+          </a:p>
+          <a:p>
+            <a:pPr marL="457200" indent="-457200">
+              <a:buFont typeface="Arial" panose="020B0604020202020204" pitchFamily="34" charset="0"/>
+              <a:buChar char="•"/>
+            </a:pPr>
             <a:r>
               <a:rPr lang="en-GB" sz="2800" dirty="0" smtClean="0"/>
-              <a:t> * explanatory + b</a:t>
-            </a:r>
-            <a:r>
-              <a:rPr lang="en-GB" sz="2800" baseline="-25000" dirty="0" smtClean="0"/>
-              <a:t>0</a:t>
-            </a:r>
-          </a:p>
-          <a:p>
-            <a:pPr marL="0" lvl="1">
-              <a:defRPr/>
-            </a:pPr>
-            <a:endParaRPr lang="en-GB" sz="2800" dirty="0"/>
-          </a:p>
-          <a:p>
-            <a:pPr marL="1828800" lvl="5">
-              <a:defRPr/>
-            </a:pPr>
+              <a:t>Normality </a:t>
+            </a:r>
             <a:r>
               <a:rPr lang="en-GB" sz="2800" dirty="0"/>
-              <a:t>b</a:t>
-            </a:r>
-            <a:r>
-              <a:rPr lang="en-GB" sz="2800" baseline="-25000" dirty="0" smtClean="0"/>
-              <a:t>1</a:t>
-            </a:r>
-            <a:r>
-              <a:rPr lang="en-GB" sz="2800" dirty="0" smtClean="0"/>
-              <a:t> is the slope</a:t>
-            </a:r>
-          </a:p>
-          <a:p>
-            <a:pPr marL="1828800" lvl="5">
-              <a:defRPr/>
-            </a:pPr>
+              <a:t>and </a:t>
+            </a:r>
+            <a:r>
+              <a:rPr lang="en-GB" sz="2800" dirty="0" err="1"/>
+              <a:t>homoscedascity</a:t>
+            </a:r>
             <a:r>
               <a:rPr lang="en-GB" sz="2800" dirty="0"/>
-              <a:t>b</a:t>
-            </a:r>
-            <a:r>
-              <a:rPr lang="en-GB" sz="2800" baseline="-25000" dirty="0" smtClean="0"/>
-              <a:t>0</a:t>
-            </a:r>
-            <a:r>
-              <a:rPr lang="en-GB" sz="2800" dirty="0" smtClean="0"/>
-              <a:t> is the intercept</a:t>
-            </a:r>
-          </a:p>
-          <a:p>
-            <a:pPr marL="0" lvl="1">
-              <a:defRPr/>
-            </a:pPr>
-            <a:endParaRPr lang="en-GB" sz="2800" dirty="0"/>
-          </a:p>
-          <a:p>
-            <a:pPr marL="0" lvl="1">
-              <a:defRPr/>
-            </a:pPr>
-            <a:endParaRPr lang="en-GB" sz="2800" dirty="0"/>
+              <a:t> of residuals</a:t>
+            </a:r>
+          </a:p>
+          <a:p>
+            <a:pPr marL="457200" indent="-457200">
+              <a:buFont typeface="Arial" panose="020B0604020202020204" pitchFamily="34" charset="0"/>
+              <a:buChar char="•"/>
+            </a:pPr>
+            <a:r>
+              <a:rPr lang="en-US" sz="2800" dirty="0" smtClean="0"/>
+              <a:t>X </a:t>
+            </a:r>
+            <a:r>
+              <a:rPr lang="en-US" sz="2800" dirty="0"/>
+              <a:t>is “sampled without error”; </a:t>
+            </a:r>
+            <a:endParaRPr lang="en-US" sz="2800" dirty="0" smtClean="0"/>
+          </a:p>
+          <a:p>
+            <a:pPr marL="457200" indent="-457200">
+              <a:buFont typeface="Arial" panose="020B0604020202020204" pitchFamily="34" charset="0"/>
+              <a:buChar char="•"/>
+            </a:pPr>
+            <a:r>
+              <a:rPr lang="en-US" sz="2800" dirty="0" smtClean="0"/>
+              <a:t>y </a:t>
+            </a:r>
+            <a:r>
+              <a:rPr lang="en-US" sz="2800" dirty="0"/>
+              <a:t>randomly sampled for each </a:t>
+            </a:r>
+            <a:r>
+              <a:rPr lang="en-US" sz="2800" dirty="0" smtClean="0"/>
+              <a:t>x and normally distributed</a:t>
+            </a:r>
+            <a:endParaRPr lang="en-US" sz="2800" dirty="0"/>
           </a:p>
         </p:txBody>
       </p:sp>
     </p:spTree>
     <p:extLst>
       <p:ext uri="{BB962C8B-B14F-4D97-AF65-F5344CB8AC3E}">
-        <p14:creationId xmlns:p14="http://schemas.microsoft.com/office/powerpoint/2010/main" val="243888618"/>
+        <p14:creationId xmlns:p14="http://schemas.microsoft.com/office/powerpoint/2010/main" val="1900095764"/>
       </p:ext>
     </p:extLst>
   </p:cSld>
@@ -18119,297 +17887,6 @@
               <a:rPr lang="en-US" smtClean="0"/>
               <a:pPr/>
               <a:t>32</a:t>
-            </a:fld>
-            <a:endParaRPr lang="en-US"/>
-          </a:p>
-        </p:txBody>
-      </p:sp>
-      <p:sp>
-        <p:nvSpPr>
-          <p:cNvPr id="3" name="Rectangle 2"/>
-          <p:cNvSpPr/>
-          <p:nvPr/>
-        </p:nvSpPr>
-        <p:spPr>
-          <a:xfrm>
-            <a:off x="609600" y="1676400"/>
-            <a:ext cx="7391400" cy="4031873"/>
-          </a:xfrm>
-          <a:prstGeom prst="rect">
-            <a:avLst/>
-          </a:prstGeom>
-        </p:spPr>
-        <p:txBody>
-          <a:bodyPr wrap="square">
-            <a:spAutoFit/>
-          </a:bodyPr>
-          <a:lstStyle/>
-          <a:p>
-            <a:r>
-              <a:rPr lang="en-GB" sz="3200" dirty="0"/>
-              <a:t>Can be expressed as:</a:t>
-            </a:r>
-          </a:p>
-          <a:p>
-            <a:pPr marL="914400" lvl="1" indent="-457200">
-              <a:buFont typeface="Arial" panose="020B0604020202020204" pitchFamily="34" charset="0"/>
-              <a:buChar char="•"/>
-            </a:pPr>
-            <a:r>
-              <a:rPr lang="en-GB" sz="3200" i="1" dirty="0"/>
-              <a:t>b</a:t>
-            </a:r>
-            <a:r>
-              <a:rPr lang="en-GB" sz="3200" i="1" baseline="-25000" dirty="0"/>
-              <a:t>1</a:t>
-            </a:r>
-            <a:r>
-              <a:rPr lang="en-GB" sz="3200" dirty="0"/>
-              <a:t> = 0 </a:t>
-            </a:r>
-          </a:p>
-          <a:p>
-            <a:pPr marL="914400" lvl="1" indent="-457200">
-              <a:buFont typeface="Arial" panose="020B0604020202020204" pitchFamily="34" charset="0"/>
-              <a:buChar char="•"/>
-            </a:pPr>
-            <a:r>
-              <a:rPr lang="en-GB" sz="3200" dirty="0"/>
-              <a:t>x cannot predict </a:t>
-            </a:r>
-            <a:r>
-              <a:rPr lang="en-GB" sz="3200" i="1" dirty="0"/>
-              <a:t>y</a:t>
-            </a:r>
-          </a:p>
-          <a:p>
-            <a:pPr marL="914400" lvl="1" indent="-457200">
-              <a:buFont typeface="Arial" panose="020B0604020202020204" pitchFamily="34" charset="0"/>
-              <a:buChar char="•"/>
-            </a:pPr>
-            <a:r>
-              <a:rPr lang="en-GB" sz="3200" dirty="0"/>
-              <a:t>Regression line doesn’t explain variance in </a:t>
-            </a:r>
-            <a:r>
-              <a:rPr lang="en-GB" sz="3200" i="1" dirty="0"/>
-              <a:t>y</a:t>
-            </a:r>
-          </a:p>
-          <a:p>
-            <a:pPr marL="914400" lvl="1" indent="-457200">
-              <a:buFont typeface="Arial" panose="020B0604020202020204" pitchFamily="34" charset="0"/>
-              <a:buChar char="•"/>
-            </a:pPr>
-            <a:endParaRPr lang="en-GB" sz="3200" dirty="0"/>
-          </a:p>
-          <a:p>
-            <a:pPr marL="457200" indent="-457200">
-              <a:buFont typeface="Arial" panose="020B0604020202020204" pitchFamily="34" charset="0"/>
-              <a:buChar char="•"/>
-            </a:pPr>
-            <a:endParaRPr lang="en-GB" sz="3200" dirty="0"/>
-          </a:p>
-          <a:p>
-            <a:pPr marL="457200" indent="-457200">
-              <a:buFont typeface="Arial" panose="020B0604020202020204" pitchFamily="34" charset="0"/>
-              <a:buChar char="•"/>
-            </a:pPr>
-            <a:endParaRPr lang="en-GB" sz="3200" dirty="0"/>
-          </a:p>
-        </p:txBody>
-      </p:sp>
-      <p:sp>
-        <p:nvSpPr>
-          <p:cNvPr id="5" name="Rectangle 2"/>
-          <p:cNvSpPr txBox="1">
-            <a:spLocks noChangeArrowheads="1"/>
-          </p:cNvSpPr>
-          <p:nvPr/>
-        </p:nvSpPr>
-        <p:spPr>
-          <a:xfrm>
-            <a:off x="228600" y="304800"/>
-            <a:ext cx="8763000" cy="1143000"/>
-          </a:xfrm>
-          <a:prstGeom prst="rect">
-            <a:avLst/>
-          </a:prstGeom>
-        </p:spPr>
-        <p:txBody>
-          <a:bodyPr/>
-          <a:lstStyle>
-            <a:lvl1pPr algn="ctr" defTabSz="914400" rtl="0" eaLnBrk="1" latinLnBrk="0" hangingPunct="1">
-              <a:spcBef>
-                <a:spcPct val="0"/>
-              </a:spcBef>
-              <a:buNone/>
-              <a:defRPr sz="4400" kern="1200">
-                <a:solidFill>
-                  <a:schemeClr val="tx1"/>
-                </a:solidFill>
-                <a:latin typeface="+mj-lt"/>
-                <a:ea typeface="+mj-ea"/>
-                <a:cs typeface="+mj-cs"/>
-              </a:defRPr>
-            </a:lvl1pPr>
-          </a:lstStyle>
-          <a:p>
-            <a:r>
-              <a:rPr lang="en-GB" altLang="en-US" sz="2400" dirty="0"/>
-              <a:t>Regression</a:t>
-            </a:r>
-            <a:br>
-              <a:rPr lang="en-GB" altLang="en-US" sz="2400" dirty="0"/>
-            </a:br>
-            <a:r>
-              <a:rPr lang="en-GB" dirty="0"/>
-              <a:t>Null hypothesis</a:t>
-            </a:r>
-            <a:endParaRPr lang="en-GB" altLang="en-US" dirty="0"/>
-          </a:p>
-        </p:txBody>
-      </p:sp>
-      <p:sp>
-        <p:nvSpPr>
-          <p:cNvPr id="7" name="Rectangle 6"/>
-          <p:cNvSpPr/>
-          <p:nvPr/>
-        </p:nvSpPr>
-        <p:spPr>
-          <a:xfrm>
-            <a:off x="647700" y="4449306"/>
-            <a:ext cx="7391400" cy="2246769"/>
-          </a:xfrm>
-          <a:prstGeom prst="rect">
-            <a:avLst/>
-          </a:prstGeom>
-        </p:spPr>
-        <p:txBody>
-          <a:bodyPr wrap="square">
-            <a:spAutoFit/>
-          </a:bodyPr>
-          <a:lstStyle/>
-          <a:p>
-            <a:r>
-              <a:rPr lang="en-GB" sz="2800" dirty="0" smtClean="0"/>
-              <a:t>Assumptions</a:t>
-            </a:r>
-          </a:p>
-          <a:p>
-            <a:pPr marL="457200" indent="-457200">
-              <a:buFont typeface="Arial" panose="020B0604020202020204" pitchFamily="34" charset="0"/>
-              <a:buChar char="•"/>
-            </a:pPr>
-            <a:r>
-              <a:rPr lang="en-GB" sz="2800" dirty="0" smtClean="0"/>
-              <a:t>Normality </a:t>
-            </a:r>
-            <a:r>
-              <a:rPr lang="en-GB" sz="2800" dirty="0"/>
-              <a:t>and </a:t>
-            </a:r>
-            <a:r>
-              <a:rPr lang="en-GB" sz="2800" dirty="0" err="1"/>
-              <a:t>homoscedascity</a:t>
-            </a:r>
-            <a:r>
-              <a:rPr lang="en-GB" sz="2800" dirty="0"/>
-              <a:t> of residuals</a:t>
-            </a:r>
-          </a:p>
-          <a:p>
-            <a:pPr marL="457200" indent="-457200">
-              <a:buFont typeface="Arial" panose="020B0604020202020204" pitchFamily="34" charset="0"/>
-              <a:buChar char="•"/>
-            </a:pPr>
-            <a:r>
-              <a:rPr lang="en-US" sz="2800" dirty="0" smtClean="0"/>
-              <a:t>X </a:t>
-            </a:r>
-            <a:r>
-              <a:rPr lang="en-US" sz="2800" dirty="0"/>
-              <a:t>is “sampled without error”; </a:t>
-            </a:r>
-            <a:endParaRPr lang="en-US" sz="2800" dirty="0" smtClean="0"/>
-          </a:p>
-          <a:p>
-            <a:pPr marL="457200" indent="-457200">
-              <a:buFont typeface="Arial" panose="020B0604020202020204" pitchFamily="34" charset="0"/>
-              <a:buChar char="•"/>
-            </a:pPr>
-            <a:r>
-              <a:rPr lang="en-US" sz="2800" dirty="0" smtClean="0"/>
-              <a:t>y </a:t>
-            </a:r>
-            <a:r>
-              <a:rPr lang="en-US" sz="2800" dirty="0"/>
-              <a:t>randomly sampled for each </a:t>
-            </a:r>
-            <a:r>
-              <a:rPr lang="en-US" sz="2800" dirty="0" smtClean="0"/>
-              <a:t>x and normally distributed</a:t>
-            </a:r>
-            <a:endParaRPr lang="en-US" sz="2800" dirty="0"/>
-          </a:p>
-        </p:txBody>
-      </p:sp>
-    </p:spTree>
-    <p:extLst>
-      <p:ext uri="{BB962C8B-B14F-4D97-AF65-F5344CB8AC3E}">
-        <p14:creationId xmlns:p14="http://schemas.microsoft.com/office/powerpoint/2010/main" val="1900095764"/>
-      </p:ext>
-    </p:extLst>
-  </p:cSld>
-  <p:clrMapOvr>
-    <a:masterClrMapping/>
-  </p:clrMapOvr>
-  <p:timing>
-    <p:tnLst>
-      <p:par>
-        <p:cTn id="1" dur="indefinite" restart="never" nodeType="tmRoot"/>
-      </p:par>
-    </p:tnLst>
-  </p:timing>
-</p:sld>
-</file>
-
-<file path=ppt/slides/slide33.xml><?xml version="1.0" encoding="utf-8"?>
-<p:sld xmlns:a="http://schemas.openxmlformats.org/drawingml/2006/main" xmlns:r="http://schemas.openxmlformats.org/officeDocument/2006/relationships" xmlns:p="http://schemas.openxmlformats.org/presentationml/2006/main">
-  <p:cSld>
-    <p:spTree>
-      <p:nvGrpSpPr>
-        <p:cNvPr id="1" name=""/>
-        <p:cNvGrpSpPr/>
-        <p:nvPr/>
-      </p:nvGrpSpPr>
-      <p:grpSpPr>
-        <a:xfrm>
-          <a:off x="0" y="0"/>
-          <a:ext cx="0" cy="0"/>
-          <a:chOff x="0" y="0"/>
-          <a:chExt cx="0" cy="0"/>
-        </a:xfrm>
-      </p:grpSpPr>
-      <p:sp>
-        <p:nvSpPr>
-          <p:cNvPr id="2" name="Slide Number Placeholder 1"/>
-          <p:cNvSpPr>
-            <a:spLocks noGrp="1"/>
-          </p:cNvSpPr>
-          <p:nvPr>
-            <p:ph type="sldNum" sz="quarter" idx="12"/>
-          </p:nvPr>
-        </p:nvSpPr>
-        <p:spPr/>
-        <p:txBody>
-          <a:bodyPr/>
-          <a:lstStyle/>
-          <a:p>
-            <a:fld id="{B6F15528-21DE-4FAA-801E-634DDDAF4B2B}" type="slidenum">
-              <a:rPr lang="en-US" smtClean="0"/>
-              <a:pPr/>
-              <a:t>33</a:t>
             </a:fld>
             <a:endParaRPr lang="en-US"/>
           </a:p>
@@ -18586,7 +18063,7 @@
 </p:sld>
 </file>
 
-<file path=ppt/slides/slide34.xml><?xml version="1.0" encoding="utf-8"?>
+<file path=ppt/slides/slide33.xml><?xml version="1.0" encoding="utf-8"?>
 <p:sld xmlns:a="http://schemas.openxmlformats.org/drawingml/2006/main" xmlns:r="http://schemas.openxmlformats.org/officeDocument/2006/relationships" xmlns:p="http://schemas.openxmlformats.org/presentationml/2006/main">
   <p:cSld>
     <p:spTree>
@@ -18621,7 +18098,7 @@
             <a:fld id="{B6F15528-21DE-4FAA-801E-634DDDAF4B2B}" type="slidenum">
               <a:rPr lang="en-US" smtClean="0"/>
               <a:pPr/>
-              <a:t>34</a:t>
+              <a:t>33</a:t>
             </a:fld>
             <a:endParaRPr lang="en-US"/>
           </a:p>
@@ -18958,7 +18435,7 @@
 </p:sld>
 </file>
 
-<file path=ppt/slides/slide35.xml><?xml version="1.0" encoding="utf-8"?>
+<file path=ppt/slides/slide34.xml><?xml version="1.0" encoding="utf-8"?>
 <p:sld xmlns:a="http://schemas.openxmlformats.org/drawingml/2006/main" xmlns:r="http://schemas.openxmlformats.org/officeDocument/2006/relationships" xmlns:p="http://schemas.openxmlformats.org/presentationml/2006/main">
   <p:cSld>
     <p:spTree>
@@ -19122,7 +18599,7 @@
               <a:pPr>
                 <a:defRPr/>
               </a:pPr>
-              <a:t>35</a:t>
+              <a:t>34</a:t>
             </a:fld>
             <a:endParaRPr lang="en-GB"/>
           </a:p>
@@ -19198,7 +18675,7 @@
 </p:sld>
 </file>
 
-<file path=ppt/slides/slide36.xml><?xml version="1.0" encoding="utf-8"?>
+<file path=ppt/slides/slide35.xml><?xml version="1.0" encoding="utf-8"?>
 <p:sld xmlns:a="http://schemas.openxmlformats.org/drawingml/2006/main" xmlns:r="http://schemas.openxmlformats.org/officeDocument/2006/relationships" xmlns:p="http://schemas.openxmlformats.org/presentationml/2006/main">
   <p:cSld>
     <p:spTree>
@@ -19604,7 +19081,7 @@
               <a:pPr>
                 <a:defRPr/>
               </a:pPr>
-              <a:t>36</a:t>
+              <a:t>35</a:t>
             </a:fld>
             <a:endParaRPr lang="en-GB"/>
           </a:p>
@@ -19738,7 +19215,7 @@
 </p:sld>
 </file>
 
-<file path=ppt/slides/slide37.xml><?xml version="1.0" encoding="utf-8"?>
+<file path=ppt/slides/slide36.xml><?xml version="1.0" encoding="utf-8"?>
 <p:sld xmlns:a="http://schemas.openxmlformats.org/drawingml/2006/main" xmlns:r="http://schemas.openxmlformats.org/officeDocument/2006/relationships" xmlns:p="http://schemas.openxmlformats.org/presentationml/2006/main">
   <p:cSld>
     <p:spTree>
@@ -20236,7 +19713,7 @@
               <a:pPr>
                 <a:defRPr/>
               </a:pPr>
-              <a:t>37</a:t>
+              <a:t>36</a:t>
             </a:fld>
             <a:endParaRPr lang="en-GB"/>
           </a:p>
@@ -20479,7 +19956,7 @@
 </p:sld>
 </file>
 
-<file path=ppt/slides/slide38.xml><?xml version="1.0" encoding="utf-8"?>
+<file path=ppt/slides/slide37.xml><?xml version="1.0" encoding="utf-8"?>
 <p:sld xmlns:a="http://schemas.openxmlformats.org/drawingml/2006/main" xmlns:r="http://schemas.openxmlformats.org/officeDocument/2006/relationships" xmlns:p="http://schemas.openxmlformats.org/presentationml/2006/main">
   <p:cSld>
     <p:spTree>
@@ -21003,7 +20480,7 @@
               <a:pPr>
                 <a:defRPr/>
               </a:pPr>
-              <a:t>38</a:t>
+              <a:t>37</a:t>
             </a:fld>
             <a:endParaRPr lang="en-GB"/>
           </a:p>
@@ -21113,6 +20590,590 @@
       </p:sp>
       <p:sp>
         <p:nvSpPr>
+          <p:cNvPr id="9" name="Rectangle 2"/>
+          <p:cNvSpPr txBox="1">
+            <a:spLocks noChangeArrowheads="1"/>
+          </p:cNvSpPr>
+          <p:nvPr/>
+        </p:nvSpPr>
+        <p:spPr>
+          <a:xfrm>
+            <a:off x="228600" y="304800"/>
+            <a:ext cx="8763000" cy="1143000"/>
+          </a:xfrm>
+          <a:prstGeom prst="rect">
+            <a:avLst/>
+          </a:prstGeom>
+        </p:spPr>
+        <p:txBody>
+          <a:bodyPr/>
+          <a:lstStyle>
+            <a:lvl1pPr algn="ctr" defTabSz="914400" rtl="0" eaLnBrk="1" latinLnBrk="0" hangingPunct="1">
+              <a:spcBef>
+                <a:spcPct val="0"/>
+              </a:spcBef>
+              <a:buNone/>
+              <a:defRPr sz="4400" kern="1200">
+                <a:solidFill>
+                  <a:schemeClr val="tx1"/>
+                </a:solidFill>
+                <a:latin typeface="+mj-lt"/>
+                <a:ea typeface="+mj-ea"/>
+                <a:cs typeface="+mj-cs"/>
+              </a:defRPr>
+            </a:lvl1pPr>
+          </a:lstStyle>
+          <a:p>
+            <a:r>
+              <a:rPr lang="en-GB" altLang="en-US" sz="2400" dirty="0"/>
+              <a:t>Regression</a:t>
+            </a:r>
+            <a:br>
+              <a:rPr lang="en-GB" altLang="en-US" sz="2400" dirty="0"/>
+            </a:br>
+            <a:r>
+              <a:rPr lang="en-GB" altLang="en-US" dirty="0"/>
+              <a:t>Understanding the output</a:t>
+            </a:r>
+          </a:p>
+        </p:txBody>
+      </p:sp>
+    </p:spTree>
+    <p:extLst>
+      <p:ext uri="{BB962C8B-B14F-4D97-AF65-F5344CB8AC3E}">
+        <p14:creationId xmlns:p14="http://schemas.microsoft.com/office/powerpoint/2010/main" val="2689543716"/>
+      </p:ext>
+    </p:extLst>
+  </p:cSld>
+  <p:clrMapOvr>
+    <a:masterClrMapping/>
+  </p:clrMapOvr>
+  <p:timing>
+    <p:tnLst>
+      <p:par>
+        <p:cTn id="1" dur="indefinite" restart="never" nodeType="tmRoot"/>
+      </p:par>
+    </p:tnLst>
+  </p:timing>
+</p:sld>
+</file>
+
+<file path=ppt/slides/slide38.xml><?xml version="1.0" encoding="utf-8"?>
+<p:sld xmlns:a="http://schemas.openxmlformats.org/drawingml/2006/main" xmlns:r="http://schemas.openxmlformats.org/officeDocument/2006/relationships" xmlns:p="http://schemas.openxmlformats.org/presentationml/2006/main">
+  <p:cSld>
+    <p:spTree>
+      <p:nvGrpSpPr>
+        <p:cNvPr id="1" name=""/>
+        <p:cNvGrpSpPr/>
+        <p:nvPr/>
+      </p:nvGrpSpPr>
+      <p:grpSpPr>
+        <a:xfrm>
+          <a:off x="0" y="0"/>
+          <a:ext cx="0" cy="0"/>
+          <a:chOff x="0" y="0"/>
+          <a:chExt cx="0" cy="0"/>
+        </a:xfrm>
+      </p:grpSpPr>
+      <p:sp>
+        <p:nvSpPr>
+          <p:cNvPr id="12" name="Content Placeholder 2"/>
+          <p:cNvSpPr txBox="1">
+            <a:spLocks/>
+          </p:cNvSpPr>
+          <p:nvPr/>
+        </p:nvSpPr>
+        <p:spPr bwMode="auto">
+          <a:xfrm>
+            <a:off x="129436" y="1319409"/>
+            <a:ext cx="6957164" cy="4673600"/>
+          </a:xfrm>
+          <a:prstGeom prst="rect">
+            <a:avLst/>
+          </a:prstGeom>
+          <a:solidFill>
+            <a:schemeClr val="bg2"/>
+          </a:solidFill>
+          <a:ln w="9525">
+            <a:noFill/>
+            <a:miter lim="800000"/>
+            <a:headEnd/>
+            <a:tailEnd/>
+          </a:ln>
+        </p:spPr>
+        <p:txBody>
+          <a:bodyPr/>
+          <a:lstStyle/>
+          <a:p>
+            <a:pPr marL="342900" indent="-342900" eaLnBrk="0" hangingPunct="0">
+              <a:spcBef>
+                <a:spcPct val="20000"/>
+              </a:spcBef>
+              <a:buClr>
+                <a:schemeClr val="accent2"/>
+              </a:buClr>
+              <a:buSzPct val="75000"/>
+              <a:defRPr/>
+            </a:pPr>
+            <a:r>
+              <a:rPr lang="en-GB" sz="1400" kern="0" dirty="0">
+                <a:latin typeface="Lucida Console" panose="020B0609040504020204" pitchFamily="49" charset="0"/>
+                <a:cs typeface="Courier New" pitchFamily="49" charset="0"/>
+              </a:rPr>
+              <a:t>Call:</a:t>
+            </a:r>
+          </a:p>
+          <a:p>
+            <a:pPr marL="342900" indent="-342900" eaLnBrk="0" hangingPunct="0">
+              <a:spcBef>
+                <a:spcPct val="20000"/>
+              </a:spcBef>
+              <a:buClr>
+                <a:schemeClr val="accent2"/>
+              </a:buClr>
+              <a:buSzPct val="75000"/>
+              <a:defRPr/>
+            </a:pPr>
+            <a:r>
+              <a:rPr lang="en-GB" sz="1400" kern="0" dirty="0">
+                <a:latin typeface="Lucida Console" panose="020B0609040504020204" pitchFamily="49" charset="0"/>
+                <a:cs typeface="Courier New" pitchFamily="49" charset="0"/>
+              </a:rPr>
+              <a:t>lm(formula = respiration ~ temperature, data = shrimp)</a:t>
+            </a:r>
+          </a:p>
+          <a:p>
+            <a:pPr marL="342900" indent="-342900" eaLnBrk="0" hangingPunct="0">
+              <a:spcBef>
+                <a:spcPct val="20000"/>
+              </a:spcBef>
+              <a:buClr>
+                <a:schemeClr val="accent2"/>
+              </a:buClr>
+              <a:buSzPct val="75000"/>
+              <a:defRPr/>
+            </a:pPr>
+            <a:endParaRPr lang="en-GB" sz="1400" kern="0" dirty="0">
+              <a:latin typeface="Lucida Console" panose="020B0609040504020204" pitchFamily="49" charset="0"/>
+              <a:cs typeface="Courier New" pitchFamily="49" charset="0"/>
+            </a:endParaRPr>
+          </a:p>
+          <a:p>
+            <a:pPr marL="342900" indent="-342900" eaLnBrk="0" hangingPunct="0">
+              <a:spcBef>
+                <a:spcPct val="20000"/>
+              </a:spcBef>
+              <a:buClr>
+                <a:schemeClr val="accent2"/>
+              </a:buClr>
+              <a:buSzPct val="75000"/>
+              <a:defRPr/>
+            </a:pPr>
+            <a:r>
+              <a:rPr lang="en-GB" sz="1400" kern="0" dirty="0">
+                <a:latin typeface="Lucida Console" panose="020B0609040504020204" pitchFamily="49" charset="0"/>
+                <a:cs typeface="Courier New" pitchFamily="49" charset="0"/>
+              </a:rPr>
+              <a:t>Residuals:</a:t>
+            </a:r>
+          </a:p>
+          <a:p>
+            <a:pPr marL="342900" indent="-342900" eaLnBrk="0" hangingPunct="0">
+              <a:spcBef>
+                <a:spcPct val="20000"/>
+              </a:spcBef>
+              <a:buClr>
+                <a:schemeClr val="accent2"/>
+              </a:buClr>
+              <a:buSzPct val="75000"/>
+              <a:defRPr/>
+            </a:pPr>
+            <a:r>
+              <a:rPr lang="en-GB" sz="1400" kern="0" dirty="0">
+                <a:latin typeface="Lucida Console" panose="020B0609040504020204" pitchFamily="49" charset="0"/>
+                <a:cs typeface="Courier New" pitchFamily="49" charset="0"/>
+              </a:rPr>
+              <a:t>    Min      1Q  Median      3Q     Max </a:t>
+            </a:r>
+          </a:p>
+          <a:p>
+            <a:pPr marL="342900" indent="-342900" eaLnBrk="0" hangingPunct="0">
+              <a:spcBef>
+                <a:spcPct val="20000"/>
+              </a:spcBef>
+              <a:buClr>
+                <a:schemeClr val="accent2"/>
+              </a:buClr>
+              <a:buSzPct val="75000"/>
+              <a:defRPr/>
+            </a:pPr>
+            <a:r>
+              <a:rPr lang="en-GB" sz="1400" kern="0" dirty="0">
+                <a:latin typeface="Lucida Console" panose="020B0609040504020204" pitchFamily="49" charset="0"/>
+                <a:cs typeface="Courier New" pitchFamily="49" charset="0"/>
+              </a:rPr>
+              <a:t>-7.8362 -2.6216 -0.3377  3.1854  7.2433 </a:t>
+            </a:r>
+          </a:p>
+          <a:p>
+            <a:pPr marL="342900" indent="-342900" eaLnBrk="0" hangingPunct="0">
+              <a:spcBef>
+                <a:spcPct val="20000"/>
+              </a:spcBef>
+              <a:buClr>
+                <a:schemeClr val="accent2"/>
+              </a:buClr>
+              <a:buSzPct val="75000"/>
+              <a:defRPr/>
+            </a:pPr>
+            <a:endParaRPr lang="en-GB" sz="1400" kern="0" dirty="0">
+              <a:latin typeface="Lucida Console" panose="020B0609040504020204" pitchFamily="49" charset="0"/>
+              <a:cs typeface="Courier New" pitchFamily="49" charset="0"/>
+            </a:endParaRPr>
+          </a:p>
+          <a:p>
+            <a:pPr marL="342900" indent="-342900" eaLnBrk="0" hangingPunct="0">
+              <a:spcBef>
+                <a:spcPct val="20000"/>
+              </a:spcBef>
+              <a:buClr>
+                <a:schemeClr val="accent2"/>
+              </a:buClr>
+              <a:buSzPct val="75000"/>
+              <a:defRPr/>
+            </a:pPr>
+            <a:r>
+              <a:rPr lang="en-GB" sz="1400" kern="0" dirty="0">
+                <a:latin typeface="Lucida Console" panose="020B0609040504020204" pitchFamily="49" charset="0"/>
+                <a:cs typeface="Courier New" pitchFamily="49" charset="0"/>
+              </a:rPr>
+              <a:t>Coefficients:</a:t>
+            </a:r>
+          </a:p>
+          <a:p>
+            <a:pPr marL="342900" indent="-342900" eaLnBrk="0" hangingPunct="0">
+              <a:spcBef>
+                <a:spcPct val="20000"/>
+              </a:spcBef>
+              <a:buClr>
+                <a:schemeClr val="accent2"/>
+              </a:buClr>
+              <a:buSzPct val="75000"/>
+              <a:defRPr/>
+            </a:pPr>
+            <a:r>
+              <a:rPr lang="en-GB" sz="1400" kern="0" dirty="0">
+                <a:latin typeface="Lucida Console" panose="020B0609040504020204" pitchFamily="49" charset="0"/>
+                <a:cs typeface="Courier New" pitchFamily="49" charset="0"/>
+              </a:rPr>
+              <a:t>            Estimate Std. Error t value </a:t>
+            </a:r>
+            <a:r>
+              <a:rPr lang="en-GB" sz="1400" kern="0" dirty="0" err="1">
+                <a:latin typeface="Lucida Console" panose="020B0609040504020204" pitchFamily="49" charset="0"/>
+                <a:cs typeface="Courier New" pitchFamily="49" charset="0"/>
+              </a:rPr>
+              <a:t>Pr</a:t>
+            </a:r>
+            <a:r>
+              <a:rPr lang="en-GB" sz="1400" kern="0" dirty="0">
+                <a:latin typeface="Lucida Console" panose="020B0609040504020204" pitchFamily="49" charset="0"/>
+                <a:cs typeface="Courier New" pitchFamily="49" charset="0"/>
+              </a:rPr>
+              <a:t>(&gt;|t|)    </a:t>
+            </a:r>
+          </a:p>
+          <a:p>
+            <a:pPr marL="342900" indent="-342900" eaLnBrk="0" hangingPunct="0">
+              <a:spcBef>
+                <a:spcPct val="20000"/>
+              </a:spcBef>
+              <a:buClr>
+                <a:schemeClr val="accent2"/>
+              </a:buClr>
+              <a:buSzPct val="75000"/>
+              <a:defRPr/>
+            </a:pPr>
+            <a:r>
+              <a:rPr lang="en-GB" sz="1400" kern="0" dirty="0">
+                <a:latin typeface="Lucida Console" panose="020B0609040504020204" pitchFamily="49" charset="0"/>
+                <a:cs typeface="Courier New" pitchFamily="49" charset="0"/>
+              </a:rPr>
+              <a:t>(Intercept)  -6.0359     3.1560  -1.912   0.0781 .  </a:t>
+            </a:r>
+          </a:p>
+          <a:p>
+            <a:pPr marL="342900" indent="-342900" eaLnBrk="0" hangingPunct="0">
+              <a:spcBef>
+                <a:spcPct val="20000"/>
+              </a:spcBef>
+              <a:buClr>
+                <a:schemeClr val="accent2"/>
+              </a:buClr>
+              <a:buSzPct val="75000"/>
+              <a:defRPr/>
+            </a:pPr>
+            <a:r>
+              <a:rPr lang="en-GB" sz="1400" kern="0" dirty="0">
+                <a:latin typeface="Lucida Console" panose="020B0609040504020204" pitchFamily="49" charset="0"/>
+                <a:cs typeface="Courier New" pitchFamily="49" charset="0"/>
+              </a:rPr>
+              <a:t>temperature   0.8253     0.1488   5.547 9.43e-05 ***</a:t>
+            </a:r>
+          </a:p>
+          <a:p>
+            <a:pPr marL="342900" indent="-342900" eaLnBrk="0" hangingPunct="0">
+              <a:spcBef>
+                <a:spcPct val="20000"/>
+              </a:spcBef>
+              <a:buClr>
+                <a:schemeClr val="accent2"/>
+              </a:buClr>
+              <a:buSzPct val="75000"/>
+              <a:defRPr/>
+            </a:pPr>
+            <a:r>
+              <a:rPr lang="en-GB" sz="1400" kern="0" dirty="0">
+                <a:latin typeface="Lucida Console" panose="020B0609040504020204" pitchFamily="49" charset="0"/>
+                <a:cs typeface="Courier New" pitchFamily="49" charset="0"/>
+              </a:rPr>
+              <a:t>---</a:t>
+            </a:r>
+          </a:p>
+          <a:p>
+            <a:pPr marL="342900" indent="-342900" eaLnBrk="0" hangingPunct="0">
+              <a:spcBef>
+                <a:spcPct val="20000"/>
+              </a:spcBef>
+              <a:buClr>
+                <a:schemeClr val="accent2"/>
+              </a:buClr>
+              <a:buSzPct val="75000"/>
+              <a:defRPr/>
+            </a:pPr>
+            <a:r>
+              <a:rPr lang="en-GB" sz="1400" kern="0" dirty="0" err="1">
+                <a:latin typeface="Lucida Console" panose="020B0609040504020204" pitchFamily="49" charset="0"/>
+                <a:cs typeface="Courier New" pitchFamily="49" charset="0"/>
+              </a:rPr>
+              <a:t>Signif</a:t>
+            </a:r>
+            <a:r>
+              <a:rPr lang="en-GB" sz="1400" kern="0" dirty="0">
+                <a:latin typeface="Lucida Console" panose="020B0609040504020204" pitchFamily="49" charset="0"/>
+                <a:cs typeface="Courier New" pitchFamily="49" charset="0"/>
+              </a:rPr>
+              <a:t>. codes:  0 ‘***’ 0.001 ‘**’ 0.01 ‘*’ 0.05 ‘.’ 0.1 ‘ ’ 1</a:t>
+            </a:r>
+          </a:p>
+          <a:p>
+            <a:pPr marL="342900" indent="-342900" eaLnBrk="0" hangingPunct="0">
+              <a:spcBef>
+                <a:spcPct val="20000"/>
+              </a:spcBef>
+              <a:buClr>
+                <a:schemeClr val="accent2"/>
+              </a:buClr>
+              <a:buSzPct val="75000"/>
+              <a:defRPr/>
+            </a:pPr>
+            <a:endParaRPr lang="en-GB" sz="1400" kern="0" dirty="0">
+              <a:latin typeface="Lucida Console" panose="020B0609040504020204" pitchFamily="49" charset="0"/>
+              <a:cs typeface="Courier New" pitchFamily="49" charset="0"/>
+            </a:endParaRPr>
+          </a:p>
+          <a:p>
+            <a:pPr marL="342900" indent="-342900" eaLnBrk="0" hangingPunct="0">
+              <a:spcBef>
+                <a:spcPct val="20000"/>
+              </a:spcBef>
+              <a:buClr>
+                <a:schemeClr val="accent2"/>
+              </a:buClr>
+              <a:buSzPct val="75000"/>
+              <a:defRPr/>
+            </a:pPr>
+            <a:r>
+              <a:rPr lang="en-GB" sz="1400" kern="0" dirty="0">
+                <a:latin typeface="Lucida Console" panose="020B0609040504020204" pitchFamily="49" charset="0"/>
+                <a:cs typeface="Courier New" pitchFamily="49" charset="0"/>
+              </a:rPr>
+              <a:t>Residual standard error: 4.074 on 13 degrees of freedom</a:t>
+            </a:r>
+          </a:p>
+          <a:p>
+            <a:pPr marL="342900" indent="-342900" eaLnBrk="0" hangingPunct="0">
+              <a:spcBef>
+                <a:spcPct val="20000"/>
+              </a:spcBef>
+              <a:buClr>
+                <a:schemeClr val="accent2"/>
+              </a:buClr>
+              <a:buSzPct val="75000"/>
+              <a:defRPr/>
+            </a:pPr>
+            <a:r>
+              <a:rPr lang="en-GB" sz="1400" kern="0" dirty="0">
+                <a:latin typeface="Lucida Console" panose="020B0609040504020204" pitchFamily="49" charset="0"/>
+                <a:cs typeface="Courier New" pitchFamily="49" charset="0"/>
+              </a:rPr>
+              <a:t>Multiple R-squared:  0.703,	Adjusted R-squared:  0.6801 </a:t>
+            </a:r>
+          </a:p>
+          <a:p>
+            <a:pPr marL="342900" indent="-342900" eaLnBrk="0" hangingPunct="0">
+              <a:spcBef>
+                <a:spcPct val="20000"/>
+              </a:spcBef>
+              <a:buClr>
+                <a:schemeClr val="accent2"/>
+              </a:buClr>
+              <a:buSzPct val="75000"/>
+              <a:defRPr/>
+            </a:pPr>
+            <a:r>
+              <a:rPr lang="en-GB" sz="1400" kern="0" dirty="0">
+                <a:latin typeface="Lucida Console" panose="020B0609040504020204" pitchFamily="49" charset="0"/>
+                <a:cs typeface="Courier New" pitchFamily="49" charset="0"/>
+              </a:rPr>
+              <a:t>F-statistic: 30.77 on 1 and 13 DF,  p-value: 9.433e-05</a:t>
+            </a:r>
+          </a:p>
+        </p:txBody>
+      </p:sp>
+      <p:sp>
+        <p:nvSpPr>
+          <p:cNvPr id="2" name="Slide Number Placeholder 1"/>
+          <p:cNvSpPr>
+            <a:spLocks noGrp="1"/>
+          </p:cNvSpPr>
+          <p:nvPr>
+            <p:ph type="sldNum" sz="quarter" idx="12"/>
+          </p:nvPr>
+        </p:nvSpPr>
+        <p:spPr/>
+        <p:txBody>
+          <a:bodyPr/>
+          <a:lstStyle/>
+          <a:p>
+            <a:pPr>
+              <a:defRPr/>
+            </a:pPr>
+            <a:fld id="{EC547566-857F-4428-8EE1-11513A1EADA3}" type="slidenum">
+              <a:rPr lang="en-GB" smtClean="0"/>
+              <a:pPr>
+                <a:defRPr/>
+              </a:pPr>
+              <a:t>38</a:t>
+            </a:fld>
+            <a:endParaRPr lang="en-GB"/>
+          </a:p>
+        </p:txBody>
+      </p:sp>
+      <p:sp>
+        <p:nvSpPr>
+          <p:cNvPr id="13" name="Rectangular Callout 12"/>
+          <p:cNvSpPr/>
+          <p:nvPr/>
+        </p:nvSpPr>
+        <p:spPr>
+          <a:xfrm>
+            <a:off x="6052458" y="2927350"/>
+            <a:ext cx="2939142" cy="769506"/>
+          </a:xfrm>
+          <a:prstGeom prst="wedgeRectCallout">
+            <a:avLst>
+              <a:gd name="adj1" fmla="val -57756"/>
+              <a:gd name="adj2" fmla="val 86765"/>
+            </a:avLst>
+          </a:prstGeom>
+          <a:solidFill>
+            <a:schemeClr val="bg1"/>
+          </a:solidFill>
+          <a:ln w="19050">
+            <a:solidFill>
+              <a:schemeClr val="tx1"/>
+            </a:solidFill>
+          </a:ln>
+        </p:spPr>
+        <p:style>
+          <a:lnRef idx="2">
+            <a:schemeClr val="accent1">
+              <a:shade val="50000"/>
+            </a:schemeClr>
+          </a:lnRef>
+          <a:fillRef idx="1">
+            <a:schemeClr val="accent1"/>
+          </a:fillRef>
+          <a:effectRef idx="0">
+            <a:schemeClr val="accent1"/>
+          </a:effectRef>
+          <a:fontRef idx="minor">
+            <a:schemeClr val="lt1"/>
+          </a:fontRef>
+        </p:style>
+        <p:txBody>
+          <a:bodyPr anchor="ctr"/>
+          <a:lstStyle/>
+          <a:p>
+            <a:pPr algn="ctr">
+              <a:defRPr/>
+            </a:pPr>
+            <a:r>
+              <a:rPr lang="en-GB" sz="2400" dirty="0">
+                <a:solidFill>
+                  <a:schemeClr val="tx1"/>
+                </a:solidFill>
+              </a:rPr>
+              <a:t>Test: </a:t>
+            </a:r>
+            <a:r>
+              <a:rPr lang="en-GB" sz="2400" i="1" dirty="0">
+                <a:solidFill>
+                  <a:schemeClr val="tx1"/>
+                </a:solidFill>
+              </a:rPr>
+              <a:t>b</a:t>
+            </a:r>
+            <a:r>
+              <a:rPr lang="en-GB" sz="2400" i="1" baseline="-25000" dirty="0">
+                <a:solidFill>
+                  <a:schemeClr val="tx1"/>
+                </a:solidFill>
+              </a:rPr>
+              <a:t>1</a:t>
+            </a:r>
+            <a:r>
+              <a:rPr lang="en-GB" sz="2400" dirty="0">
+                <a:solidFill>
+                  <a:schemeClr val="tx1"/>
+                </a:solidFill>
+              </a:rPr>
+              <a:t> = 0</a:t>
+            </a:r>
+          </a:p>
+          <a:p>
+            <a:pPr algn="ctr">
+              <a:defRPr/>
+            </a:pPr>
+            <a:r>
+              <a:rPr lang="en-GB" sz="2400" dirty="0">
+                <a:solidFill>
+                  <a:schemeClr val="tx1"/>
+                </a:solidFill>
+              </a:rPr>
+              <a:t>Always of interest </a:t>
+            </a:r>
+            <a:endParaRPr lang="en-GB" sz="2400" baseline="-25000" dirty="0">
+              <a:solidFill>
+                <a:schemeClr val="tx1"/>
+              </a:solidFill>
+            </a:endParaRPr>
+          </a:p>
+        </p:txBody>
+      </p:sp>
+      <p:sp>
+        <p:nvSpPr>
           <p:cNvPr id="14" name="Rectangular Callout 13"/>
           <p:cNvSpPr/>
           <p:nvPr/>
@@ -21223,6 +21284,488 @@
       </p:sp>
       <p:sp>
         <p:nvSpPr>
+          <p:cNvPr id="9" name="Rectangle 2"/>
+          <p:cNvSpPr txBox="1">
+            <a:spLocks noChangeArrowheads="1"/>
+          </p:cNvSpPr>
+          <p:nvPr/>
+        </p:nvSpPr>
+        <p:spPr>
+          <a:xfrm>
+            <a:off x="228600" y="304800"/>
+            <a:ext cx="8763000" cy="1143000"/>
+          </a:xfrm>
+          <a:prstGeom prst="rect">
+            <a:avLst/>
+          </a:prstGeom>
+        </p:spPr>
+        <p:txBody>
+          <a:bodyPr/>
+          <a:lstStyle>
+            <a:lvl1pPr algn="ctr" defTabSz="914400" rtl="0" eaLnBrk="1" latinLnBrk="0" hangingPunct="1">
+              <a:spcBef>
+                <a:spcPct val="0"/>
+              </a:spcBef>
+              <a:buNone/>
+              <a:defRPr sz="4400" kern="1200">
+                <a:solidFill>
+                  <a:schemeClr val="tx1"/>
+                </a:solidFill>
+                <a:latin typeface="+mj-lt"/>
+                <a:ea typeface="+mj-ea"/>
+                <a:cs typeface="+mj-cs"/>
+              </a:defRPr>
+            </a:lvl1pPr>
+          </a:lstStyle>
+          <a:p>
+            <a:r>
+              <a:rPr lang="en-GB" altLang="en-US" sz="2400" dirty="0"/>
+              <a:t>Regression</a:t>
+            </a:r>
+            <a:br>
+              <a:rPr lang="en-GB" altLang="en-US" sz="2400" dirty="0"/>
+            </a:br>
+            <a:r>
+              <a:rPr lang="en-GB" altLang="en-US" dirty="0"/>
+              <a:t>Understanding the output</a:t>
+            </a:r>
+          </a:p>
+        </p:txBody>
+      </p:sp>
+    </p:spTree>
+    <p:extLst>
+      <p:ext uri="{BB962C8B-B14F-4D97-AF65-F5344CB8AC3E}">
+        <p14:creationId xmlns:p14="http://schemas.microsoft.com/office/powerpoint/2010/main" val="2979380785"/>
+      </p:ext>
+    </p:extLst>
+  </p:cSld>
+  <p:clrMapOvr>
+    <a:masterClrMapping/>
+  </p:clrMapOvr>
+  <p:timing>
+    <p:tnLst>
+      <p:par>
+        <p:cTn id="1" dur="indefinite" restart="never" nodeType="tmRoot"/>
+      </p:par>
+    </p:tnLst>
+  </p:timing>
+</p:sld>
+</file>
+
+<file path=ppt/slides/slide39.xml><?xml version="1.0" encoding="utf-8"?>
+<p:sld xmlns:a="http://schemas.openxmlformats.org/drawingml/2006/main" xmlns:r="http://schemas.openxmlformats.org/officeDocument/2006/relationships" xmlns:p="http://schemas.openxmlformats.org/presentationml/2006/main">
+  <p:cSld>
+    <p:spTree>
+      <p:nvGrpSpPr>
+        <p:cNvPr id="1" name=""/>
+        <p:cNvGrpSpPr/>
+        <p:nvPr/>
+      </p:nvGrpSpPr>
+      <p:grpSpPr>
+        <a:xfrm>
+          <a:off x="0" y="0"/>
+          <a:ext cx="0" cy="0"/>
+          <a:chOff x="0" y="0"/>
+          <a:chExt cx="0" cy="0"/>
+        </a:xfrm>
+      </p:grpSpPr>
+      <p:sp>
+        <p:nvSpPr>
+          <p:cNvPr id="12" name="Content Placeholder 2"/>
+          <p:cNvSpPr txBox="1">
+            <a:spLocks/>
+          </p:cNvSpPr>
+          <p:nvPr/>
+        </p:nvSpPr>
+        <p:spPr bwMode="auto">
+          <a:xfrm>
+            <a:off x="129436" y="1319409"/>
+            <a:ext cx="6957164" cy="4673600"/>
+          </a:xfrm>
+          <a:prstGeom prst="rect">
+            <a:avLst/>
+          </a:prstGeom>
+          <a:solidFill>
+            <a:schemeClr val="bg2"/>
+          </a:solidFill>
+          <a:ln w="9525">
+            <a:noFill/>
+            <a:miter lim="800000"/>
+            <a:headEnd/>
+            <a:tailEnd/>
+          </a:ln>
+        </p:spPr>
+        <p:txBody>
+          <a:bodyPr/>
+          <a:lstStyle/>
+          <a:p>
+            <a:pPr marL="342900" indent="-342900" eaLnBrk="0" hangingPunct="0">
+              <a:spcBef>
+                <a:spcPct val="20000"/>
+              </a:spcBef>
+              <a:buClr>
+                <a:schemeClr val="accent2"/>
+              </a:buClr>
+              <a:buSzPct val="75000"/>
+              <a:defRPr/>
+            </a:pPr>
+            <a:r>
+              <a:rPr lang="en-GB" sz="1400" kern="0" dirty="0">
+                <a:latin typeface="Lucida Console" panose="020B0609040504020204" pitchFamily="49" charset="0"/>
+                <a:cs typeface="Courier New" pitchFamily="49" charset="0"/>
+              </a:rPr>
+              <a:t>Call:</a:t>
+            </a:r>
+          </a:p>
+          <a:p>
+            <a:pPr marL="342900" indent="-342900" eaLnBrk="0" hangingPunct="0">
+              <a:spcBef>
+                <a:spcPct val="20000"/>
+              </a:spcBef>
+              <a:buClr>
+                <a:schemeClr val="accent2"/>
+              </a:buClr>
+              <a:buSzPct val="75000"/>
+              <a:defRPr/>
+            </a:pPr>
+            <a:r>
+              <a:rPr lang="en-GB" sz="1400" kern="0" dirty="0">
+                <a:latin typeface="Lucida Console" panose="020B0609040504020204" pitchFamily="49" charset="0"/>
+                <a:cs typeface="Courier New" pitchFamily="49" charset="0"/>
+              </a:rPr>
+              <a:t>lm(formula = respiration ~ temperature, data = shrimp)</a:t>
+            </a:r>
+          </a:p>
+          <a:p>
+            <a:pPr marL="342900" indent="-342900" eaLnBrk="0" hangingPunct="0">
+              <a:spcBef>
+                <a:spcPct val="20000"/>
+              </a:spcBef>
+              <a:buClr>
+                <a:schemeClr val="accent2"/>
+              </a:buClr>
+              <a:buSzPct val="75000"/>
+              <a:defRPr/>
+            </a:pPr>
+            <a:endParaRPr lang="en-GB" sz="1400" kern="0" dirty="0">
+              <a:latin typeface="Lucida Console" panose="020B0609040504020204" pitchFamily="49" charset="0"/>
+              <a:cs typeface="Courier New" pitchFamily="49" charset="0"/>
+            </a:endParaRPr>
+          </a:p>
+          <a:p>
+            <a:pPr marL="342900" indent="-342900" eaLnBrk="0" hangingPunct="0">
+              <a:spcBef>
+                <a:spcPct val="20000"/>
+              </a:spcBef>
+              <a:buClr>
+                <a:schemeClr val="accent2"/>
+              </a:buClr>
+              <a:buSzPct val="75000"/>
+              <a:defRPr/>
+            </a:pPr>
+            <a:r>
+              <a:rPr lang="en-GB" sz="1400" kern="0" dirty="0">
+                <a:latin typeface="Lucida Console" panose="020B0609040504020204" pitchFamily="49" charset="0"/>
+                <a:cs typeface="Courier New" pitchFamily="49" charset="0"/>
+              </a:rPr>
+              <a:t>Residuals:</a:t>
+            </a:r>
+          </a:p>
+          <a:p>
+            <a:pPr marL="342900" indent="-342900" eaLnBrk="0" hangingPunct="0">
+              <a:spcBef>
+                <a:spcPct val="20000"/>
+              </a:spcBef>
+              <a:buClr>
+                <a:schemeClr val="accent2"/>
+              </a:buClr>
+              <a:buSzPct val="75000"/>
+              <a:defRPr/>
+            </a:pPr>
+            <a:r>
+              <a:rPr lang="en-GB" sz="1400" kern="0" dirty="0">
+                <a:latin typeface="Lucida Console" panose="020B0609040504020204" pitchFamily="49" charset="0"/>
+                <a:cs typeface="Courier New" pitchFamily="49" charset="0"/>
+              </a:rPr>
+              <a:t>    Min      1Q  Median      3Q     Max </a:t>
+            </a:r>
+          </a:p>
+          <a:p>
+            <a:pPr marL="342900" indent="-342900" eaLnBrk="0" hangingPunct="0">
+              <a:spcBef>
+                <a:spcPct val="20000"/>
+              </a:spcBef>
+              <a:buClr>
+                <a:schemeClr val="accent2"/>
+              </a:buClr>
+              <a:buSzPct val="75000"/>
+              <a:defRPr/>
+            </a:pPr>
+            <a:r>
+              <a:rPr lang="en-GB" sz="1400" kern="0" dirty="0">
+                <a:latin typeface="Lucida Console" panose="020B0609040504020204" pitchFamily="49" charset="0"/>
+                <a:cs typeface="Courier New" pitchFamily="49" charset="0"/>
+              </a:rPr>
+              <a:t>-7.8362 -2.6216 -0.3377  3.1854  7.2433 </a:t>
+            </a:r>
+          </a:p>
+          <a:p>
+            <a:pPr marL="342900" indent="-342900" eaLnBrk="0" hangingPunct="0">
+              <a:spcBef>
+                <a:spcPct val="20000"/>
+              </a:spcBef>
+              <a:buClr>
+                <a:schemeClr val="accent2"/>
+              </a:buClr>
+              <a:buSzPct val="75000"/>
+              <a:defRPr/>
+            </a:pPr>
+            <a:endParaRPr lang="en-GB" sz="1400" kern="0" dirty="0">
+              <a:latin typeface="Lucida Console" panose="020B0609040504020204" pitchFamily="49" charset="0"/>
+              <a:cs typeface="Courier New" pitchFamily="49" charset="0"/>
+            </a:endParaRPr>
+          </a:p>
+          <a:p>
+            <a:pPr marL="342900" indent="-342900" eaLnBrk="0" hangingPunct="0">
+              <a:spcBef>
+                <a:spcPct val="20000"/>
+              </a:spcBef>
+              <a:buClr>
+                <a:schemeClr val="accent2"/>
+              </a:buClr>
+              <a:buSzPct val="75000"/>
+              <a:defRPr/>
+            </a:pPr>
+            <a:r>
+              <a:rPr lang="en-GB" sz="1400" kern="0" dirty="0">
+                <a:latin typeface="Lucida Console" panose="020B0609040504020204" pitchFamily="49" charset="0"/>
+                <a:cs typeface="Courier New" pitchFamily="49" charset="0"/>
+              </a:rPr>
+              <a:t>Coefficients:</a:t>
+            </a:r>
+          </a:p>
+          <a:p>
+            <a:pPr marL="342900" indent="-342900" eaLnBrk="0" hangingPunct="0">
+              <a:spcBef>
+                <a:spcPct val="20000"/>
+              </a:spcBef>
+              <a:buClr>
+                <a:schemeClr val="accent2"/>
+              </a:buClr>
+              <a:buSzPct val="75000"/>
+              <a:defRPr/>
+            </a:pPr>
+            <a:r>
+              <a:rPr lang="en-GB" sz="1400" kern="0" dirty="0">
+                <a:latin typeface="Lucida Console" panose="020B0609040504020204" pitchFamily="49" charset="0"/>
+                <a:cs typeface="Courier New" pitchFamily="49" charset="0"/>
+              </a:rPr>
+              <a:t>            Estimate Std. Error t value </a:t>
+            </a:r>
+            <a:r>
+              <a:rPr lang="en-GB" sz="1400" kern="0" dirty="0" err="1">
+                <a:latin typeface="Lucida Console" panose="020B0609040504020204" pitchFamily="49" charset="0"/>
+                <a:cs typeface="Courier New" pitchFamily="49" charset="0"/>
+              </a:rPr>
+              <a:t>Pr</a:t>
+            </a:r>
+            <a:r>
+              <a:rPr lang="en-GB" sz="1400" kern="0" dirty="0">
+                <a:latin typeface="Lucida Console" panose="020B0609040504020204" pitchFamily="49" charset="0"/>
+                <a:cs typeface="Courier New" pitchFamily="49" charset="0"/>
+              </a:rPr>
+              <a:t>(&gt;|t|)    </a:t>
+            </a:r>
+          </a:p>
+          <a:p>
+            <a:pPr marL="342900" indent="-342900" eaLnBrk="0" hangingPunct="0">
+              <a:spcBef>
+                <a:spcPct val="20000"/>
+              </a:spcBef>
+              <a:buClr>
+                <a:schemeClr val="accent2"/>
+              </a:buClr>
+              <a:buSzPct val="75000"/>
+              <a:defRPr/>
+            </a:pPr>
+            <a:r>
+              <a:rPr lang="en-GB" sz="1400" kern="0" dirty="0">
+                <a:latin typeface="Lucida Console" panose="020B0609040504020204" pitchFamily="49" charset="0"/>
+                <a:cs typeface="Courier New" pitchFamily="49" charset="0"/>
+              </a:rPr>
+              <a:t>(Intercept)  -6.0359     3.1560  -1.912   0.0781 .  </a:t>
+            </a:r>
+          </a:p>
+          <a:p>
+            <a:pPr marL="342900" indent="-342900" eaLnBrk="0" hangingPunct="0">
+              <a:spcBef>
+                <a:spcPct val="20000"/>
+              </a:spcBef>
+              <a:buClr>
+                <a:schemeClr val="accent2"/>
+              </a:buClr>
+              <a:buSzPct val="75000"/>
+              <a:defRPr/>
+            </a:pPr>
+            <a:r>
+              <a:rPr lang="en-GB" sz="1400" kern="0" dirty="0">
+                <a:latin typeface="Lucida Console" panose="020B0609040504020204" pitchFamily="49" charset="0"/>
+                <a:cs typeface="Courier New" pitchFamily="49" charset="0"/>
+              </a:rPr>
+              <a:t>temperature   0.8253     0.1488   5.547 9.43e-05 ***</a:t>
+            </a:r>
+          </a:p>
+          <a:p>
+            <a:pPr marL="342900" indent="-342900" eaLnBrk="0" hangingPunct="0">
+              <a:spcBef>
+                <a:spcPct val="20000"/>
+              </a:spcBef>
+              <a:buClr>
+                <a:schemeClr val="accent2"/>
+              </a:buClr>
+              <a:buSzPct val="75000"/>
+              <a:defRPr/>
+            </a:pPr>
+            <a:r>
+              <a:rPr lang="en-GB" sz="1400" kern="0" dirty="0">
+                <a:latin typeface="Lucida Console" panose="020B0609040504020204" pitchFamily="49" charset="0"/>
+                <a:cs typeface="Courier New" pitchFamily="49" charset="0"/>
+              </a:rPr>
+              <a:t>---</a:t>
+            </a:r>
+          </a:p>
+          <a:p>
+            <a:pPr marL="342900" indent="-342900" eaLnBrk="0" hangingPunct="0">
+              <a:spcBef>
+                <a:spcPct val="20000"/>
+              </a:spcBef>
+              <a:buClr>
+                <a:schemeClr val="accent2"/>
+              </a:buClr>
+              <a:buSzPct val="75000"/>
+              <a:defRPr/>
+            </a:pPr>
+            <a:r>
+              <a:rPr lang="en-GB" sz="1400" kern="0" dirty="0" err="1">
+                <a:latin typeface="Lucida Console" panose="020B0609040504020204" pitchFamily="49" charset="0"/>
+                <a:cs typeface="Courier New" pitchFamily="49" charset="0"/>
+              </a:rPr>
+              <a:t>Signif</a:t>
+            </a:r>
+            <a:r>
+              <a:rPr lang="en-GB" sz="1400" kern="0" dirty="0">
+                <a:latin typeface="Lucida Console" panose="020B0609040504020204" pitchFamily="49" charset="0"/>
+                <a:cs typeface="Courier New" pitchFamily="49" charset="0"/>
+              </a:rPr>
+              <a:t>. codes:  0 ‘***’ 0.001 ‘**’ 0.01 ‘*’ 0.05 ‘.’ 0.1 ‘ ’ 1</a:t>
+            </a:r>
+          </a:p>
+          <a:p>
+            <a:pPr marL="342900" indent="-342900" eaLnBrk="0" hangingPunct="0">
+              <a:spcBef>
+                <a:spcPct val="20000"/>
+              </a:spcBef>
+              <a:buClr>
+                <a:schemeClr val="accent2"/>
+              </a:buClr>
+              <a:buSzPct val="75000"/>
+              <a:defRPr/>
+            </a:pPr>
+            <a:endParaRPr lang="en-GB" sz="1400" kern="0" dirty="0">
+              <a:latin typeface="Lucida Console" panose="020B0609040504020204" pitchFamily="49" charset="0"/>
+              <a:cs typeface="Courier New" pitchFamily="49" charset="0"/>
+            </a:endParaRPr>
+          </a:p>
+          <a:p>
+            <a:pPr marL="342900" indent="-342900" eaLnBrk="0" hangingPunct="0">
+              <a:spcBef>
+                <a:spcPct val="20000"/>
+              </a:spcBef>
+              <a:buClr>
+                <a:schemeClr val="accent2"/>
+              </a:buClr>
+              <a:buSzPct val="75000"/>
+              <a:defRPr/>
+            </a:pPr>
+            <a:r>
+              <a:rPr lang="en-GB" sz="1400" kern="0" dirty="0">
+                <a:latin typeface="Lucida Console" panose="020B0609040504020204" pitchFamily="49" charset="0"/>
+                <a:cs typeface="Courier New" pitchFamily="49" charset="0"/>
+              </a:rPr>
+              <a:t>Residual standard error: 4.074 on 13 degrees of freedom</a:t>
+            </a:r>
+          </a:p>
+          <a:p>
+            <a:pPr marL="342900" indent="-342900" eaLnBrk="0" hangingPunct="0">
+              <a:spcBef>
+                <a:spcPct val="20000"/>
+              </a:spcBef>
+              <a:buClr>
+                <a:schemeClr val="accent2"/>
+              </a:buClr>
+              <a:buSzPct val="75000"/>
+              <a:defRPr/>
+            </a:pPr>
+            <a:r>
+              <a:rPr lang="en-GB" sz="1400" kern="0" dirty="0">
+                <a:latin typeface="Lucida Console" panose="020B0609040504020204" pitchFamily="49" charset="0"/>
+                <a:cs typeface="Courier New" pitchFamily="49" charset="0"/>
+              </a:rPr>
+              <a:t>Multiple R-squared:  0.703,	Adjusted R-squared:  0.6801 </a:t>
+            </a:r>
+          </a:p>
+          <a:p>
+            <a:pPr marL="342900" indent="-342900" eaLnBrk="0" hangingPunct="0">
+              <a:spcBef>
+                <a:spcPct val="20000"/>
+              </a:spcBef>
+              <a:buClr>
+                <a:schemeClr val="accent2"/>
+              </a:buClr>
+              <a:buSzPct val="75000"/>
+              <a:defRPr/>
+            </a:pPr>
+            <a:r>
+              <a:rPr lang="en-GB" sz="1400" kern="0" dirty="0">
+                <a:latin typeface="Lucida Console" panose="020B0609040504020204" pitchFamily="49" charset="0"/>
+                <a:cs typeface="Courier New" pitchFamily="49" charset="0"/>
+              </a:rPr>
+              <a:t>F-statistic: 30.77 on 1 and 13 DF,  p-value: 9.433e-05</a:t>
+            </a:r>
+          </a:p>
+        </p:txBody>
+      </p:sp>
+      <p:sp>
+        <p:nvSpPr>
+          <p:cNvPr id="2" name="Slide Number Placeholder 1"/>
+          <p:cNvSpPr>
+            <a:spLocks noGrp="1"/>
+          </p:cNvSpPr>
+          <p:nvPr>
+            <p:ph type="sldNum" sz="quarter" idx="12"/>
+          </p:nvPr>
+        </p:nvSpPr>
+        <p:spPr/>
+        <p:txBody>
+          <a:bodyPr/>
+          <a:lstStyle/>
+          <a:p>
+            <a:pPr>
+              <a:defRPr/>
+            </a:pPr>
+            <a:fld id="{EC547566-857F-4428-8EE1-11513A1EADA3}" type="slidenum">
+              <a:rPr lang="en-GB" smtClean="0"/>
+              <a:pPr>
+                <a:defRPr/>
+              </a:pPr>
+              <a:t>39</a:t>
+            </a:fld>
+            <a:endParaRPr lang="en-GB"/>
+          </a:p>
+        </p:txBody>
+      </p:sp>
+      <p:sp>
+        <p:nvSpPr>
           <p:cNvPr id="15" name="Rectangular Callout 14"/>
           <p:cNvSpPr/>
           <p:nvPr/>
@@ -21334,7 +21877,7 @@
     </p:spTree>
     <p:extLst>
       <p:ext uri="{BB962C8B-B14F-4D97-AF65-F5344CB8AC3E}">
-        <p14:creationId xmlns:p14="http://schemas.microsoft.com/office/powerpoint/2010/main" val="2689543716"/>
+        <p14:creationId xmlns:p14="http://schemas.microsoft.com/office/powerpoint/2010/main" val="3910091420"/>
       </p:ext>
     </p:extLst>
   </p:cSld>
@@ -21351,7 +21894,227 @@
 </p:sld>
 </file>
 
-<file path=ppt/slides/slide39.xml><?xml version="1.0" encoding="utf-8"?>
+<file path=ppt/slides/slide4.xml><?xml version="1.0" encoding="utf-8"?>
+<p:sld xmlns:a="http://schemas.openxmlformats.org/drawingml/2006/main" xmlns:r="http://schemas.openxmlformats.org/officeDocument/2006/relationships" xmlns:p="http://schemas.openxmlformats.org/presentationml/2006/main">
+  <p:cSld>
+    <p:spTree>
+      <p:nvGrpSpPr>
+        <p:cNvPr id="1" name=""/>
+        <p:cNvGrpSpPr/>
+        <p:nvPr/>
+      </p:nvGrpSpPr>
+      <p:grpSpPr>
+        <a:xfrm>
+          <a:off x="0" y="0"/>
+          <a:ext cx="0" cy="0"/>
+          <a:chOff x="0" y="0"/>
+          <a:chExt cx="0" cy="0"/>
+        </a:xfrm>
+      </p:grpSpPr>
+      <p:sp>
+        <p:nvSpPr>
+          <p:cNvPr id="2" name="Title 1"/>
+          <p:cNvSpPr>
+            <a:spLocks noGrp="1"/>
+          </p:cNvSpPr>
+          <p:nvPr>
+            <p:ph type="title"/>
+          </p:nvPr>
+        </p:nvSpPr>
+        <p:spPr/>
+        <p:txBody>
+          <a:bodyPr/>
+          <a:lstStyle/>
+          <a:p>
+            <a:r>
+              <a:rPr lang="en-GB" dirty="0"/>
+              <a:t>Summary of this week</a:t>
+            </a:r>
+          </a:p>
+        </p:txBody>
+      </p:sp>
+      <p:sp>
+        <p:nvSpPr>
+          <p:cNvPr id="3" name="Content Placeholder 2"/>
+          <p:cNvSpPr>
+            <a:spLocks noGrp="1"/>
+          </p:cNvSpPr>
+          <p:nvPr>
+            <p:ph idx="1"/>
+          </p:nvPr>
+        </p:nvSpPr>
+        <p:spPr>
+          <a:xfrm>
+            <a:off x="457200" y="1600200"/>
+            <a:ext cx="7010400" cy="4876800"/>
+          </a:xfrm>
+        </p:spPr>
+        <p:txBody>
+          <a:bodyPr>
+            <a:normAutofit fontScale="92500" lnSpcReduction="20000"/>
+          </a:bodyPr>
+          <a:lstStyle/>
+          <a:p>
+            <a:r>
+              <a:rPr lang="en-GB" dirty="0"/>
+              <a:t>Situations where our explanatory variable is </a:t>
+            </a:r>
+            <a:r>
+              <a:rPr lang="en-GB" dirty="0" smtClean="0"/>
+              <a:t>‘continuous’ </a:t>
+            </a:r>
+            <a:r>
+              <a:rPr lang="en-GB" dirty="0"/>
+              <a:t>rather than categorical.</a:t>
+            </a:r>
+          </a:p>
+          <a:p>
+            <a:r>
+              <a:rPr lang="en-GB" dirty="0"/>
+              <a:t>Parametric and non-parametric correlation</a:t>
+            </a:r>
+          </a:p>
+          <a:p>
+            <a:pPr lvl="1">
+              <a:spcBef>
+                <a:spcPts val="0"/>
+              </a:spcBef>
+            </a:pPr>
+            <a:r>
+              <a:rPr lang="en-GB" dirty="0"/>
+              <a:t>Meaning</a:t>
+            </a:r>
+          </a:p>
+          <a:p>
+            <a:pPr lvl="1">
+              <a:spcBef>
+                <a:spcPts val="0"/>
+              </a:spcBef>
+            </a:pPr>
+            <a:r>
+              <a:rPr lang="en-GB" dirty="0"/>
+              <a:t>Assumptions</a:t>
+            </a:r>
+          </a:p>
+          <a:p>
+            <a:pPr lvl="1">
+              <a:spcBef>
+                <a:spcPts val="0"/>
+              </a:spcBef>
+            </a:pPr>
+            <a:r>
+              <a:rPr lang="en-GB" dirty="0"/>
+              <a:t>Carrying out, interpreting and Reporting</a:t>
+            </a:r>
+          </a:p>
+          <a:p>
+            <a:pPr lvl="1">
+              <a:spcBef>
+                <a:spcPts val="0"/>
+              </a:spcBef>
+            </a:pPr>
+            <a:r>
+              <a:rPr lang="en-GB" dirty="0"/>
+              <a:t>Tests of correlation coefficients</a:t>
+            </a:r>
+          </a:p>
+          <a:p>
+            <a:r>
+              <a:rPr lang="en-GB" dirty="0"/>
+              <a:t>Regression</a:t>
+            </a:r>
+          </a:p>
+          <a:p>
+            <a:pPr lvl="1">
+              <a:spcBef>
+                <a:spcPts val="0"/>
+              </a:spcBef>
+            </a:pPr>
+            <a:r>
+              <a:rPr lang="en-GB" dirty="0"/>
+              <a:t>Meaning and terminology</a:t>
+            </a:r>
+          </a:p>
+          <a:p>
+            <a:pPr lvl="1">
+              <a:spcBef>
+                <a:spcPts val="0"/>
+              </a:spcBef>
+            </a:pPr>
+            <a:r>
+              <a:rPr lang="en-US" dirty="0"/>
+              <a:t>Carrying out, interpreting and Reporting</a:t>
+            </a:r>
+          </a:p>
+          <a:p>
+            <a:pPr lvl="1">
+              <a:spcBef>
+                <a:spcPts val="0"/>
+              </a:spcBef>
+            </a:pPr>
+            <a:r>
+              <a:rPr lang="en-GB" dirty="0"/>
+              <a:t>Assumptions</a:t>
+            </a:r>
+          </a:p>
+          <a:p>
+            <a:pPr lvl="1">
+              <a:spcBef>
+                <a:spcPts val="0"/>
+              </a:spcBef>
+            </a:pPr>
+            <a:r>
+              <a:rPr lang="en-GB" dirty="0"/>
+              <a:t>Assessment of fit (explanatory power)</a:t>
+            </a:r>
+          </a:p>
+        </p:txBody>
+      </p:sp>
+      <p:sp>
+        <p:nvSpPr>
+          <p:cNvPr id="4" name="Slide Number Placeholder 3"/>
+          <p:cNvSpPr>
+            <a:spLocks noGrp="1"/>
+          </p:cNvSpPr>
+          <p:nvPr>
+            <p:ph type="sldNum" sz="quarter" idx="12"/>
+          </p:nvPr>
+        </p:nvSpPr>
+        <p:spPr/>
+        <p:txBody>
+          <a:bodyPr/>
+          <a:lstStyle/>
+          <a:p>
+            <a:fld id="{B6F15528-21DE-4FAA-801E-634DDDAF4B2B}" type="slidenum">
+              <a:rPr lang="en-US" smtClean="0"/>
+              <a:pPr/>
+              <a:t>4</a:t>
+            </a:fld>
+            <a:endParaRPr lang="en-US" dirty="0"/>
+          </a:p>
+        </p:txBody>
+      </p:sp>
+    </p:spTree>
+    <p:extLst>
+      <p:ext uri="{BB962C8B-B14F-4D97-AF65-F5344CB8AC3E}">
+        <p14:creationId xmlns:p14="http://schemas.microsoft.com/office/powerpoint/2010/main" val="144688353"/>
+      </p:ext>
+    </p:extLst>
+  </p:cSld>
+  <p:clrMapOvr>
+    <a:masterClrMapping/>
+  </p:clrMapOvr>
+  <p:timing>
+    <p:tnLst>
+      <p:par>
+        <p:cTn id="1" dur="indefinite" restart="never" nodeType="tmRoot"/>
+      </p:par>
+    </p:tnLst>
+  </p:timing>
+</p:sld>
+</file>
+
+<file path=ppt/slides/slide40.xml><?xml version="1.0" encoding="utf-8"?>
 <p:sld xmlns:a="http://schemas.openxmlformats.org/drawingml/2006/main" xmlns:r="http://schemas.openxmlformats.org/officeDocument/2006/relationships" xmlns:p="http://schemas.openxmlformats.org/presentationml/2006/main">
   <p:cSld>
     <p:spTree>
@@ -21466,7 +22229,7 @@
             <a:fld id="{B6F15528-21DE-4FAA-801E-634DDDAF4B2B}" type="slidenum">
               <a:rPr lang="en-US" smtClean="0"/>
               <a:pPr/>
-              <a:t>39</a:t>
+              <a:t>40</a:t>
             </a:fld>
             <a:endParaRPr lang="en-US"/>
           </a:p>
@@ -22166,7 +22929,7 @@
 </p:sld>
 </file>
 
-<file path=ppt/slides/slide4.xml><?xml version="1.0" encoding="utf-8"?>
+<file path=ppt/slides/slide41.xml><?xml version="1.0" encoding="utf-8"?>
 <p:sld xmlns:a="http://schemas.openxmlformats.org/drawingml/2006/main" xmlns:r="http://schemas.openxmlformats.org/officeDocument/2006/relationships" xmlns:p="http://schemas.openxmlformats.org/presentationml/2006/main">
   <p:cSld>
     <p:spTree>
@@ -22185,226 +22948,6 @@
       </p:grpSpPr>
       <p:sp>
         <p:nvSpPr>
-          <p:cNvPr id="2" name="Title 1"/>
-          <p:cNvSpPr>
-            <a:spLocks noGrp="1"/>
-          </p:cNvSpPr>
-          <p:nvPr>
-            <p:ph type="title"/>
-          </p:nvPr>
-        </p:nvSpPr>
-        <p:spPr/>
-        <p:txBody>
-          <a:bodyPr/>
-          <a:lstStyle/>
-          <a:p>
-            <a:r>
-              <a:rPr lang="en-GB" dirty="0"/>
-              <a:t>Summary of this week</a:t>
-            </a:r>
-          </a:p>
-        </p:txBody>
-      </p:sp>
-      <p:sp>
-        <p:nvSpPr>
-          <p:cNvPr id="3" name="Content Placeholder 2"/>
-          <p:cNvSpPr>
-            <a:spLocks noGrp="1"/>
-          </p:cNvSpPr>
-          <p:nvPr>
-            <p:ph idx="1"/>
-          </p:nvPr>
-        </p:nvSpPr>
-        <p:spPr>
-          <a:xfrm>
-            <a:off x="457200" y="1600200"/>
-            <a:ext cx="7010400" cy="4876800"/>
-          </a:xfrm>
-        </p:spPr>
-        <p:txBody>
-          <a:bodyPr>
-            <a:normAutofit fontScale="92500" lnSpcReduction="20000"/>
-          </a:bodyPr>
-          <a:lstStyle/>
-          <a:p>
-            <a:r>
-              <a:rPr lang="en-GB" dirty="0"/>
-              <a:t>Situations where our explanatory variable is </a:t>
-            </a:r>
-            <a:r>
-              <a:rPr lang="en-GB" dirty="0" smtClean="0"/>
-              <a:t>‘continuous’ </a:t>
-            </a:r>
-            <a:r>
-              <a:rPr lang="en-GB" dirty="0"/>
-              <a:t>rather than categorical.</a:t>
-            </a:r>
-          </a:p>
-          <a:p>
-            <a:r>
-              <a:rPr lang="en-GB" dirty="0"/>
-              <a:t>Parametric and non-parametric correlation</a:t>
-            </a:r>
-          </a:p>
-          <a:p>
-            <a:pPr lvl="1">
-              <a:spcBef>
-                <a:spcPts val="0"/>
-              </a:spcBef>
-            </a:pPr>
-            <a:r>
-              <a:rPr lang="en-GB" dirty="0"/>
-              <a:t>Meaning</a:t>
-            </a:r>
-          </a:p>
-          <a:p>
-            <a:pPr lvl="1">
-              <a:spcBef>
-                <a:spcPts val="0"/>
-              </a:spcBef>
-            </a:pPr>
-            <a:r>
-              <a:rPr lang="en-GB" dirty="0"/>
-              <a:t>Assumptions</a:t>
-            </a:r>
-          </a:p>
-          <a:p>
-            <a:pPr lvl="1">
-              <a:spcBef>
-                <a:spcPts val="0"/>
-              </a:spcBef>
-            </a:pPr>
-            <a:r>
-              <a:rPr lang="en-GB" dirty="0"/>
-              <a:t>Carrying out, interpreting and Reporting</a:t>
-            </a:r>
-          </a:p>
-          <a:p>
-            <a:pPr lvl="1">
-              <a:spcBef>
-                <a:spcPts val="0"/>
-              </a:spcBef>
-            </a:pPr>
-            <a:r>
-              <a:rPr lang="en-GB" dirty="0"/>
-              <a:t>Tests of correlation coefficients</a:t>
-            </a:r>
-          </a:p>
-          <a:p>
-            <a:r>
-              <a:rPr lang="en-GB" dirty="0"/>
-              <a:t>Regression</a:t>
-            </a:r>
-          </a:p>
-          <a:p>
-            <a:pPr lvl="1">
-              <a:spcBef>
-                <a:spcPts val="0"/>
-              </a:spcBef>
-            </a:pPr>
-            <a:r>
-              <a:rPr lang="en-GB" dirty="0"/>
-              <a:t>Meaning and terminology</a:t>
-            </a:r>
-          </a:p>
-          <a:p>
-            <a:pPr lvl="1">
-              <a:spcBef>
-                <a:spcPts val="0"/>
-              </a:spcBef>
-            </a:pPr>
-            <a:r>
-              <a:rPr lang="en-US" dirty="0"/>
-              <a:t>Carrying out, interpreting and Reporting</a:t>
-            </a:r>
-          </a:p>
-          <a:p>
-            <a:pPr lvl="1">
-              <a:spcBef>
-                <a:spcPts val="0"/>
-              </a:spcBef>
-            </a:pPr>
-            <a:r>
-              <a:rPr lang="en-GB" dirty="0"/>
-              <a:t>Assumptions</a:t>
-            </a:r>
-          </a:p>
-          <a:p>
-            <a:pPr lvl="1">
-              <a:spcBef>
-                <a:spcPts val="0"/>
-              </a:spcBef>
-            </a:pPr>
-            <a:r>
-              <a:rPr lang="en-GB" dirty="0"/>
-              <a:t>Assessment of fit (explanatory power)</a:t>
-            </a:r>
-          </a:p>
-        </p:txBody>
-      </p:sp>
-      <p:sp>
-        <p:nvSpPr>
-          <p:cNvPr id="4" name="Slide Number Placeholder 3"/>
-          <p:cNvSpPr>
-            <a:spLocks noGrp="1"/>
-          </p:cNvSpPr>
-          <p:nvPr>
-            <p:ph type="sldNum" sz="quarter" idx="12"/>
-          </p:nvPr>
-        </p:nvSpPr>
-        <p:spPr/>
-        <p:txBody>
-          <a:bodyPr/>
-          <a:lstStyle/>
-          <a:p>
-            <a:fld id="{B6F15528-21DE-4FAA-801E-634DDDAF4B2B}" type="slidenum">
-              <a:rPr lang="en-US" smtClean="0"/>
-              <a:pPr/>
-              <a:t>4</a:t>
-            </a:fld>
-            <a:endParaRPr lang="en-US" dirty="0"/>
-          </a:p>
-        </p:txBody>
-      </p:sp>
-    </p:spTree>
-    <p:extLst>
-      <p:ext uri="{BB962C8B-B14F-4D97-AF65-F5344CB8AC3E}">
-        <p14:creationId xmlns:p14="http://schemas.microsoft.com/office/powerpoint/2010/main" val="144688353"/>
-      </p:ext>
-    </p:extLst>
-  </p:cSld>
-  <p:clrMapOvr>
-    <a:masterClrMapping/>
-  </p:clrMapOvr>
-  <p:timing>
-    <p:tnLst>
-      <p:par>
-        <p:cTn id="1" dur="indefinite" restart="never" nodeType="tmRoot"/>
-      </p:par>
-    </p:tnLst>
-  </p:timing>
-</p:sld>
-</file>
-
-<file path=ppt/slides/slide40.xml><?xml version="1.0" encoding="utf-8"?>
-<p:sld xmlns:a="http://schemas.openxmlformats.org/drawingml/2006/main" xmlns:r="http://schemas.openxmlformats.org/officeDocument/2006/relationships" xmlns:p="http://schemas.openxmlformats.org/presentationml/2006/main">
-  <p:cSld>
-    <p:spTree>
-      <p:nvGrpSpPr>
-        <p:cNvPr id="1" name=""/>
-        <p:cNvGrpSpPr/>
-        <p:nvPr/>
-      </p:nvGrpSpPr>
-      <p:grpSpPr>
-        <a:xfrm>
-          <a:off x="0" y="0"/>
-          <a:ext cx="0" cy="0"/>
-          <a:chOff x="0" y="0"/>
-          <a:chExt cx="0" cy="0"/>
-        </a:xfrm>
-      </p:grpSpPr>
-      <p:sp>
-        <p:nvSpPr>
           <p:cNvPr id="33795" name="Rectangle 3"/>
           <p:cNvSpPr>
             <a:spLocks noGrp="1" noChangeArrowheads="1"/>
@@ -22552,7 +23095,7 @@
               <a:pPr>
                 <a:defRPr/>
               </a:pPr>
-              <a:t>40</a:t>
+              <a:t>41</a:t>
             </a:fld>
             <a:endParaRPr lang="en-GB"/>
           </a:p>
@@ -22569,7 +23112,7 @@
         <p:spPr bwMode="auto">
           <a:xfrm>
             <a:off x="252046" y="1447800"/>
-            <a:ext cx="5767754" cy="2362200"/>
+            <a:ext cx="5767754" cy="2514600"/>
           </a:xfrm>
           <a:prstGeom prst="rect">
             <a:avLst/>
@@ -22867,7 +23410,7 @@
 </p:sld>
 </file>
 
-<file path=ppt/slides/slide41.xml><?xml version="1.0" encoding="utf-8"?>
+<file path=ppt/slides/slide42.xml><?xml version="1.0" encoding="utf-8"?>
 <p:sld xmlns:a="http://schemas.openxmlformats.org/drawingml/2006/main" xmlns:r="http://schemas.openxmlformats.org/officeDocument/2006/relationships" xmlns:p="http://schemas.openxmlformats.org/presentationml/2006/main">
   <p:cSld>
     <p:spTree>
@@ -22902,7 +23445,7 @@
             <a:fld id="{B6F15528-21DE-4FAA-801E-634DDDAF4B2B}" type="slidenum">
               <a:rPr lang="en-US" smtClean="0"/>
               <a:pPr/>
-              <a:t>41</a:t>
+              <a:t>42</a:t>
             </a:fld>
             <a:endParaRPr lang="en-US"/>
           </a:p>
@@ -23001,7 +23544,7 @@
 </p:sld>
 </file>
 
-<file path=ppt/slides/slide42.xml><?xml version="1.0" encoding="utf-8"?>
+<file path=ppt/slides/slide43.xml><?xml version="1.0" encoding="utf-8"?>
 <p:sld xmlns:a="http://schemas.openxmlformats.org/drawingml/2006/main" xmlns:r="http://schemas.openxmlformats.org/officeDocument/2006/relationships" xmlns:p="http://schemas.openxmlformats.org/presentationml/2006/main">
   <p:cSld>
     <p:spTree>
@@ -23041,7 +23584,7 @@
               <a:pPr>
                 <a:defRPr/>
               </a:pPr>
-              <a:t>42</a:t>
+              <a:t>43</a:t>
             </a:fld>
             <a:endParaRPr lang="en-GB"/>
           </a:p>
